--- a/Networked System and Applications/week 16/EENGM0009-2-07-Application Layer-HTTP Persistence(1).pptx
+++ b/Networked System and Applications/week 16/EENGM0009-2-07-Application Layer-HTTP Persistence(1).pptx
@@ -200,6 +200,161 @@
 
 <file path=ppt/changesInfos/changesInfo1.xml><?xml version="1.0" encoding="utf-8"?>
 <pc:chgInfo xmlns:a="http://schemas.openxmlformats.org/drawingml/2006/main" xmlns:r="http://schemas.openxmlformats.org/officeDocument/2006/relationships" xmlns:ac="http://schemas.microsoft.com/office/drawing/2013/main/command" xmlns:pc="http://schemas.microsoft.com/office/powerpoint/2013/main/command">
+  <pc:docChgLst>
+    <pc:chgData name="George Oikonomou" userId="e5e5709f-5788-4bb9-a2cb-c47cfc333c75" providerId="ADAL" clId="{B9B59058-194C-A541-9FF8-6CEACFD26775}"/>
+    <pc:docChg chg="delSld modSld delMainMaster modShowInfo">
+      <pc:chgData name="George Oikonomou" userId="e5e5709f-5788-4bb9-a2cb-c47cfc333c75" providerId="ADAL" clId="{B9B59058-194C-A541-9FF8-6CEACFD26775}" dt="2021-02-15T19:14:57.841" v="14" actId="2744"/>
+      <pc:docMkLst>
+        <pc:docMk/>
+      </pc:docMkLst>
+      <pc:sldChg chg="del">
+        <pc:chgData name="George Oikonomou" userId="e5e5709f-5788-4bb9-a2cb-c47cfc333c75" providerId="ADAL" clId="{B9B59058-194C-A541-9FF8-6CEACFD26775}" dt="2021-02-15T17:57:38.122" v="13" actId="2696"/>
+        <pc:sldMkLst>
+          <pc:docMk/>
+          <pc:sldMk cId="0" sldId="263"/>
+        </pc:sldMkLst>
+      </pc:sldChg>
+      <pc:sldChg chg="del">
+        <pc:chgData name="George Oikonomou" userId="e5e5709f-5788-4bb9-a2cb-c47cfc333c75" providerId="ADAL" clId="{B9B59058-194C-A541-9FF8-6CEACFD26775}" dt="2021-02-15T17:57:38.122" v="13" actId="2696"/>
+        <pc:sldMkLst>
+          <pc:docMk/>
+          <pc:sldMk cId="0" sldId="264"/>
+        </pc:sldMkLst>
+      </pc:sldChg>
+      <pc:sldChg chg="del">
+        <pc:chgData name="George Oikonomou" userId="e5e5709f-5788-4bb9-a2cb-c47cfc333c75" providerId="ADAL" clId="{B9B59058-194C-A541-9FF8-6CEACFD26775}" dt="2021-02-15T17:57:38.122" v="13" actId="2696"/>
+        <pc:sldMkLst>
+          <pc:docMk/>
+          <pc:sldMk cId="0" sldId="329"/>
+        </pc:sldMkLst>
+      </pc:sldChg>
+      <pc:sldChg chg="del">
+        <pc:chgData name="George Oikonomou" userId="e5e5709f-5788-4bb9-a2cb-c47cfc333c75" providerId="ADAL" clId="{B9B59058-194C-A541-9FF8-6CEACFD26775}" dt="2021-02-15T17:57:38.122" v="13" actId="2696"/>
+        <pc:sldMkLst>
+          <pc:docMk/>
+          <pc:sldMk cId="0" sldId="500"/>
+        </pc:sldMkLst>
+      </pc:sldChg>
+      <pc:sldChg chg="modSp mod">
+        <pc:chgData name="George Oikonomou" userId="e5e5709f-5788-4bb9-a2cb-c47cfc333c75" providerId="ADAL" clId="{B9B59058-194C-A541-9FF8-6CEACFD26775}" dt="2021-02-15T17:57:32.562" v="12" actId="20577"/>
+        <pc:sldMkLst>
+          <pc:docMk/>
+          <pc:sldMk cId="3860354668" sldId="513"/>
+        </pc:sldMkLst>
+        <pc:spChg chg="mod">
+          <ac:chgData name="George Oikonomou" userId="e5e5709f-5788-4bb9-a2cb-c47cfc333c75" providerId="ADAL" clId="{B9B59058-194C-A541-9FF8-6CEACFD26775}" dt="2021-02-15T17:57:32.562" v="12" actId="20577"/>
+          <ac:spMkLst>
+            <pc:docMk/>
+            <pc:sldMk cId="3860354668" sldId="513"/>
+            <ac:spMk id="2" creationId="{00000000-0000-0000-0000-000000000000}"/>
+          </ac:spMkLst>
+        </pc:spChg>
+      </pc:sldChg>
+      <pc:sldMasterChg chg="del delSldLayout">
+        <pc:chgData name="George Oikonomou" userId="e5e5709f-5788-4bb9-a2cb-c47cfc333c75" providerId="ADAL" clId="{B9B59058-194C-A541-9FF8-6CEACFD26775}" dt="2021-02-15T17:57:38.122" v="13" actId="2696"/>
+        <pc:sldMasterMkLst>
+          <pc:docMk/>
+          <pc:sldMasterMk cId="0" sldId="2147483726"/>
+        </pc:sldMasterMkLst>
+        <pc:sldLayoutChg chg="del">
+          <pc:chgData name="George Oikonomou" userId="e5e5709f-5788-4bb9-a2cb-c47cfc333c75" providerId="ADAL" clId="{B9B59058-194C-A541-9FF8-6CEACFD26775}" dt="2021-02-15T17:57:38.122" v="13" actId="2696"/>
+          <pc:sldLayoutMkLst>
+            <pc:docMk/>
+            <pc:sldMasterMk cId="0" sldId="2147483726"/>
+            <pc:sldLayoutMk cId="650883497" sldId="2147484288"/>
+          </pc:sldLayoutMkLst>
+        </pc:sldLayoutChg>
+        <pc:sldLayoutChg chg="del">
+          <pc:chgData name="George Oikonomou" userId="e5e5709f-5788-4bb9-a2cb-c47cfc333c75" providerId="ADAL" clId="{B9B59058-194C-A541-9FF8-6CEACFD26775}" dt="2021-02-15T17:57:38.122" v="13" actId="2696"/>
+          <pc:sldLayoutMkLst>
+            <pc:docMk/>
+            <pc:sldMasterMk cId="0" sldId="2147483726"/>
+            <pc:sldLayoutMk cId="3088352448" sldId="2147484289"/>
+          </pc:sldLayoutMkLst>
+        </pc:sldLayoutChg>
+        <pc:sldLayoutChg chg="del">
+          <pc:chgData name="George Oikonomou" userId="e5e5709f-5788-4bb9-a2cb-c47cfc333c75" providerId="ADAL" clId="{B9B59058-194C-A541-9FF8-6CEACFD26775}" dt="2021-02-15T17:57:38.122" v="13" actId="2696"/>
+          <pc:sldLayoutMkLst>
+            <pc:docMk/>
+            <pc:sldMasterMk cId="0" sldId="2147483726"/>
+            <pc:sldLayoutMk cId="2730650110" sldId="2147484290"/>
+          </pc:sldLayoutMkLst>
+        </pc:sldLayoutChg>
+        <pc:sldLayoutChg chg="del">
+          <pc:chgData name="George Oikonomou" userId="e5e5709f-5788-4bb9-a2cb-c47cfc333c75" providerId="ADAL" clId="{B9B59058-194C-A541-9FF8-6CEACFD26775}" dt="2021-02-15T17:57:38.122" v="13" actId="2696"/>
+          <pc:sldLayoutMkLst>
+            <pc:docMk/>
+            <pc:sldMasterMk cId="0" sldId="2147483726"/>
+            <pc:sldLayoutMk cId="1655231434" sldId="2147484291"/>
+          </pc:sldLayoutMkLst>
+        </pc:sldLayoutChg>
+        <pc:sldLayoutChg chg="del">
+          <pc:chgData name="George Oikonomou" userId="e5e5709f-5788-4bb9-a2cb-c47cfc333c75" providerId="ADAL" clId="{B9B59058-194C-A541-9FF8-6CEACFD26775}" dt="2021-02-15T17:57:38.122" v="13" actId="2696"/>
+          <pc:sldLayoutMkLst>
+            <pc:docMk/>
+            <pc:sldMasterMk cId="0" sldId="2147483726"/>
+            <pc:sldLayoutMk cId="2494177637" sldId="2147484292"/>
+          </pc:sldLayoutMkLst>
+        </pc:sldLayoutChg>
+        <pc:sldLayoutChg chg="del">
+          <pc:chgData name="George Oikonomou" userId="e5e5709f-5788-4bb9-a2cb-c47cfc333c75" providerId="ADAL" clId="{B9B59058-194C-A541-9FF8-6CEACFD26775}" dt="2021-02-15T17:57:38.122" v="13" actId="2696"/>
+          <pc:sldLayoutMkLst>
+            <pc:docMk/>
+            <pc:sldMasterMk cId="0" sldId="2147483726"/>
+            <pc:sldLayoutMk cId="1987043454" sldId="2147484293"/>
+          </pc:sldLayoutMkLst>
+        </pc:sldLayoutChg>
+        <pc:sldLayoutChg chg="del">
+          <pc:chgData name="George Oikonomou" userId="e5e5709f-5788-4bb9-a2cb-c47cfc333c75" providerId="ADAL" clId="{B9B59058-194C-A541-9FF8-6CEACFD26775}" dt="2021-02-15T17:57:38.122" v="13" actId="2696"/>
+          <pc:sldLayoutMkLst>
+            <pc:docMk/>
+            <pc:sldMasterMk cId="0" sldId="2147483726"/>
+            <pc:sldLayoutMk cId="4260173073" sldId="2147484294"/>
+          </pc:sldLayoutMkLst>
+        </pc:sldLayoutChg>
+        <pc:sldLayoutChg chg="del">
+          <pc:chgData name="George Oikonomou" userId="e5e5709f-5788-4bb9-a2cb-c47cfc333c75" providerId="ADAL" clId="{B9B59058-194C-A541-9FF8-6CEACFD26775}" dt="2021-02-15T17:57:38.122" v="13" actId="2696"/>
+          <pc:sldLayoutMkLst>
+            <pc:docMk/>
+            <pc:sldMasterMk cId="0" sldId="2147483726"/>
+            <pc:sldLayoutMk cId="4070058767" sldId="2147484295"/>
+          </pc:sldLayoutMkLst>
+        </pc:sldLayoutChg>
+        <pc:sldLayoutChg chg="del">
+          <pc:chgData name="George Oikonomou" userId="e5e5709f-5788-4bb9-a2cb-c47cfc333c75" providerId="ADAL" clId="{B9B59058-194C-A541-9FF8-6CEACFD26775}" dt="2021-02-15T17:57:38.122" v="13" actId="2696"/>
+          <pc:sldLayoutMkLst>
+            <pc:docMk/>
+            <pc:sldMasterMk cId="0" sldId="2147483726"/>
+            <pc:sldLayoutMk cId="2504962378" sldId="2147484296"/>
+          </pc:sldLayoutMkLst>
+        </pc:sldLayoutChg>
+        <pc:sldLayoutChg chg="del">
+          <pc:chgData name="George Oikonomou" userId="e5e5709f-5788-4bb9-a2cb-c47cfc333c75" providerId="ADAL" clId="{B9B59058-194C-A541-9FF8-6CEACFD26775}" dt="2021-02-15T17:57:38.122" v="13" actId="2696"/>
+          <pc:sldLayoutMkLst>
+            <pc:docMk/>
+            <pc:sldMasterMk cId="0" sldId="2147483726"/>
+            <pc:sldLayoutMk cId="2410004351" sldId="2147484297"/>
+          </pc:sldLayoutMkLst>
+        </pc:sldLayoutChg>
+        <pc:sldLayoutChg chg="del">
+          <pc:chgData name="George Oikonomou" userId="e5e5709f-5788-4bb9-a2cb-c47cfc333c75" providerId="ADAL" clId="{B9B59058-194C-A541-9FF8-6CEACFD26775}" dt="2021-02-15T17:57:38.122" v="13" actId="2696"/>
+          <pc:sldLayoutMkLst>
+            <pc:docMk/>
+            <pc:sldMasterMk cId="0" sldId="2147483726"/>
+            <pc:sldLayoutMk cId="3735180700" sldId="2147484298"/>
+          </pc:sldLayoutMkLst>
+        </pc:sldLayoutChg>
+        <pc:sldLayoutChg chg="del">
+          <pc:chgData name="George Oikonomou" userId="e5e5709f-5788-4bb9-a2cb-c47cfc333c75" providerId="ADAL" clId="{B9B59058-194C-A541-9FF8-6CEACFD26775}" dt="2021-02-15T17:57:38.122" v="13" actId="2696"/>
+          <pc:sldLayoutMkLst>
+            <pc:docMk/>
+            <pc:sldMasterMk cId="0" sldId="2147483726"/>
+            <pc:sldLayoutMk cId="3397889070" sldId="2147484299"/>
+          </pc:sldLayoutMkLst>
+        </pc:sldLayoutChg>
+      </pc:sldMasterChg>
+    </pc:docChg>
+  </pc:docChgLst>
   <pc:docChgLst>
     <pc:chgData name="George Oikonomou" userId="e5e5709f-5788-4bb9-a2cb-c47cfc333c75" providerId="ADAL" clId="{6F9CDC24-A3A8-6045-A572-D087EA4CE2FA}"/>
     <pc:docChg chg="undo custSel addSld delSld modSld addMainMaster delMainMaster">
@@ -719,161 +874,6 @@
       </pc:sldMasterChg>
     </pc:docChg>
   </pc:docChgLst>
-  <pc:docChgLst>
-    <pc:chgData name="George Oikonomou" userId="e5e5709f-5788-4bb9-a2cb-c47cfc333c75" providerId="ADAL" clId="{B9B59058-194C-A541-9FF8-6CEACFD26775}"/>
-    <pc:docChg chg="delSld modSld delMainMaster modShowInfo">
-      <pc:chgData name="George Oikonomou" userId="e5e5709f-5788-4bb9-a2cb-c47cfc333c75" providerId="ADAL" clId="{B9B59058-194C-A541-9FF8-6CEACFD26775}" dt="2021-02-15T19:14:57.841" v="14" actId="2744"/>
-      <pc:docMkLst>
-        <pc:docMk/>
-      </pc:docMkLst>
-      <pc:sldChg chg="del">
-        <pc:chgData name="George Oikonomou" userId="e5e5709f-5788-4bb9-a2cb-c47cfc333c75" providerId="ADAL" clId="{B9B59058-194C-A541-9FF8-6CEACFD26775}" dt="2021-02-15T17:57:38.122" v="13" actId="2696"/>
-        <pc:sldMkLst>
-          <pc:docMk/>
-          <pc:sldMk cId="0" sldId="263"/>
-        </pc:sldMkLst>
-      </pc:sldChg>
-      <pc:sldChg chg="del">
-        <pc:chgData name="George Oikonomou" userId="e5e5709f-5788-4bb9-a2cb-c47cfc333c75" providerId="ADAL" clId="{B9B59058-194C-A541-9FF8-6CEACFD26775}" dt="2021-02-15T17:57:38.122" v="13" actId="2696"/>
-        <pc:sldMkLst>
-          <pc:docMk/>
-          <pc:sldMk cId="0" sldId="264"/>
-        </pc:sldMkLst>
-      </pc:sldChg>
-      <pc:sldChg chg="del">
-        <pc:chgData name="George Oikonomou" userId="e5e5709f-5788-4bb9-a2cb-c47cfc333c75" providerId="ADAL" clId="{B9B59058-194C-A541-9FF8-6CEACFD26775}" dt="2021-02-15T17:57:38.122" v="13" actId="2696"/>
-        <pc:sldMkLst>
-          <pc:docMk/>
-          <pc:sldMk cId="0" sldId="329"/>
-        </pc:sldMkLst>
-      </pc:sldChg>
-      <pc:sldChg chg="del">
-        <pc:chgData name="George Oikonomou" userId="e5e5709f-5788-4bb9-a2cb-c47cfc333c75" providerId="ADAL" clId="{B9B59058-194C-A541-9FF8-6CEACFD26775}" dt="2021-02-15T17:57:38.122" v="13" actId="2696"/>
-        <pc:sldMkLst>
-          <pc:docMk/>
-          <pc:sldMk cId="0" sldId="500"/>
-        </pc:sldMkLst>
-      </pc:sldChg>
-      <pc:sldChg chg="modSp mod">
-        <pc:chgData name="George Oikonomou" userId="e5e5709f-5788-4bb9-a2cb-c47cfc333c75" providerId="ADAL" clId="{B9B59058-194C-A541-9FF8-6CEACFD26775}" dt="2021-02-15T17:57:32.562" v="12" actId="20577"/>
-        <pc:sldMkLst>
-          <pc:docMk/>
-          <pc:sldMk cId="3860354668" sldId="513"/>
-        </pc:sldMkLst>
-        <pc:spChg chg="mod">
-          <ac:chgData name="George Oikonomou" userId="e5e5709f-5788-4bb9-a2cb-c47cfc333c75" providerId="ADAL" clId="{B9B59058-194C-A541-9FF8-6CEACFD26775}" dt="2021-02-15T17:57:32.562" v="12" actId="20577"/>
-          <ac:spMkLst>
-            <pc:docMk/>
-            <pc:sldMk cId="3860354668" sldId="513"/>
-            <ac:spMk id="2" creationId="{00000000-0000-0000-0000-000000000000}"/>
-          </ac:spMkLst>
-        </pc:spChg>
-      </pc:sldChg>
-      <pc:sldMasterChg chg="del delSldLayout">
-        <pc:chgData name="George Oikonomou" userId="e5e5709f-5788-4bb9-a2cb-c47cfc333c75" providerId="ADAL" clId="{B9B59058-194C-A541-9FF8-6CEACFD26775}" dt="2021-02-15T17:57:38.122" v="13" actId="2696"/>
-        <pc:sldMasterMkLst>
-          <pc:docMk/>
-          <pc:sldMasterMk cId="0" sldId="2147483726"/>
-        </pc:sldMasterMkLst>
-        <pc:sldLayoutChg chg="del">
-          <pc:chgData name="George Oikonomou" userId="e5e5709f-5788-4bb9-a2cb-c47cfc333c75" providerId="ADAL" clId="{B9B59058-194C-A541-9FF8-6CEACFD26775}" dt="2021-02-15T17:57:38.122" v="13" actId="2696"/>
-          <pc:sldLayoutMkLst>
-            <pc:docMk/>
-            <pc:sldMasterMk cId="0" sldId="2147483726"/>
-            <pc:sldLayoutMk cId="650883497" sldId="2147484288"/>
-          </pc:sldLayoutMkLst>
-        </pc:sldLayoutChg>
-        <pc:sldLayoutChg chg="del">
-          <pc:chgData name="George Oikonomou" userId="e5e5709f-5788-4bb9-a2cb-c47cfc333c75" providerId="ADAL" clId="{B9B59058-194C-A541-9FF8-6CEACFD26775}" dt="2021-02-15T17:57:38.122" v="13" actId="2696"/>
-          <pc:sldLayoutMkLst>
-            <pc:docMk/>
-            <pc:sldMasterMk cId="0" sldId="2147483726"/>
-            <pc:sldLayoutMk cId="3088352448" sldId="2147484289"/>
-          </pc:sldLayoutMkLst>
-        </pc:sldLayoutChg>
-        <pc:sldLayoutChg chg="del">
-          <pc:chgData name="George Oikonomou" userId="e5e5709f-5788-4bb9-a2cb-c47cfc333c75" providerId="ADAL" clId="{B9B59058-194C-A541-9FF8-6CEACFD26775}" dt="2021-02-15T17:57:38.122" v="13" actId="2696"/>
-          <pc:sldLayoutMkLst>
-            <pc:docMk/>
-            <pc:sldMasterMk cId="0" sldId="2147483726"/>
-            <pc:sldLayoutMk cId="2730650110" sldId="2147484290"/>
-          </pc:sldLayoutMkLst>
-        </pc:sldLayoutChg>
-        <pc:sldLayoutChg chg="del">
-          <pc:chgData name="George Oikonomou" userId="e5e5709f-5788-4bb9-a2cb-c47cfc333c75" providerId="ADAL" clId="{B9B59058-194C-A541-9FF8-6CEACFD26775}" dt="2021-02-15T17:57:38.122" v="13" actId="2696"/>
-          <pc:sldLayoutMkLst>
-            <pc:docMk/>
-            <pc:sldMasterMk cId="0" sldId="2147483726"/>
-            <pc:sldLayoutMk cId="1655231434" sldId="2147484291"/>
-          </pc:sldLayoutMkLst>
-        </pc:sldLayoutChg>
-        <pc:sldLayoutChg chg="del">
-          <pc:chgData name="George Oikonomou" userId="e5e5709f-5788-4bb9-a2cb-c47cfc333c75" providerId="ADAL" clId="{B9B59058-194C-A541-9FF8-6CEACFD26775}" dt="2021-02-15T17:57:38.122" v="13" actId="2696"/>
-          <pc:sldLayoutMkLst>
-            <pc:docMk/>
-            <pc:sldMasterMk cId="0" sldId="2147483726"/>
-            <pc:sldLayoutMk cId="2494177637" sldId="2147484292"/>
-          </pc:sldLayoutMkLst>
-        </pc:sldLayoutChg>
-        <pc:sldLayoutChg chg="del">
-          <pc:chgData name="George Oikonomou" userId="e5e5709f-5788-4bb9-a2cb-c47cfc333c75" providerId="ADAL" clId="{B9B59058-194C-A541-9FF8-6CEACFD26775}" dt="2021-02-15T17:57:38.122" v="13" actId="2696"/>
-          <pc:sldLayoutMkLst>
-            <pc:docMk/>
-            <pc:sldMasterMk cId="0" sldId="2147483726"/>
-            <pc:sldLayoutMk cId="1987043454" sldId="2147484293"/>
-          </pc:sldLayoutMkLst>
-        </pc:sldLayoutChg>
-        <pc:sldLayoutChg chg="del">
-          <pc:chgData name="George Oikonomou" userId="e5e5709f-5788-4bb9-a2cb-c47cfc333c75" providerId="ADAL" clId="{B9B59058-194C-A541-9FF8-6CEACFD26775}" dt="2021-02-15T17:57:38.122" v="13" actId="2696"/>
-          <pc:sldLayoutMkLst>
-            <pc:docMk/>
-            <pc:sldMasterMk cId="0" sldId="2147483726"/>
-            <pc:sldLayoutMk cId="4260173073" sldId="2147484294"/>
-          </pc:sldLayoutMkLst>
-        </pc:sldLayoutChg>
-        <pc:sldLayoutChg chg="del">
-          <pc:chgData name="George Oikonomou" userId="e5e5709f-5788-4bb9-a2cb-c47cfc333c75" providerId="ADAL" clId="{B9B59058-194C-A541-9FF8-6CEACFD26775}" dt="2021-02-15T17:57:38.122" v="13" actId="2696"/>
-          <pc:sldLayoutMkLst>
-            <pc:docMk/>
-            <pc:sldMasterMk cId="0" sldId="2147483726"/>
-            <pc:sldLayoutMk cId="4070058767" sldId="2147484295"/>
-          </pc:sldLayoutMkLst>
-        </pc:sldLayoutChg>
-        <pc:sldLayoutChg chg="del">
-          <pc:chgData name="George Oikonomou" userId="e5e5709f-5788-4bb9-a2cb-c47cfc333c75" providerId="ADAL" clId="{B9B59058-194C-A541-9FF8-6CEACFD26775}" dt="2021-02-15T17:57:38.122" v="13" actId="2696"/>
-          <pc:sldLayoutMkLst>
-            <pc:docMk/>
-            <pc:sldMasterMk cId="0" sldId="2147483726"/>
-            <pc:sldLayoutMk cId="2504962378" sldId="2147484296"/>
-          </pc:sldLayoutMkLst>
-        </pc:sldLayoutChg>
-        <pc:sldLayoutChg chg="del">
-          <pc:chgData name="George Oikonomou" userId="e5e5709f-5788-4bb9-a2cb-c47cfc333c75" providerId="ADAL" clId="{B9B59058-194C-A541-9FF8-6CEACFD26775}" dt="2021-02-15T17:57:38.122" v="13" actId="2696"/>
-          <pc:sldLayoutMkLst>
-            <pc:docMk/>
-            <pc:sldMasterMk cId="0" sldId="2147483726"/>
-            <pc:sldLayoutMk cId="2410004351" sldId="2147484297"/>
-          </pc:sldLayoutMkLst>
-        </pc:sldLayoutChg>
-        <pc:sldLayoutChg chg="del">
-          <pc:chgData name="George Oikonomou" userId="e5e5709f-5788-4bb9-a2cb-c47cfc333c75" providerId="ADAL" clId="{B9B59058-194C-A541-9FF8-6CEACFD26775}" dt="2021-02-15T17:57:38.122" v="13" actId="2696"/>
-          <pc:sldLayoutMkLst>
-            <pc:docMk/>
-            <pc:sldMasterMk cId="0" sldId="2147483726"/>
-            <pc:sldLayoutMk cId="3735180700" sldId="2147484298"/>
-          </pc:sldLayoutMkLst>
-        </pc:sldLayoutChg>
-        <pc:sldLayoutChg chg="del">
-          <pc:chgData name="George Oikonomou" userId="e5e5709f-5788-4bb9-a2cb-c47cfc333c75" providerId="ADAL" clId="{B9B59058-194C-A541-9FF8-6CEACFD26775}" dt="2021-02-15T17:57:38.122" v="13" actId="2696"/>
-          <pc:sldLayoutMkLst>
-            <pc:docMk/>
-            <pc:sldMasterMk cId="0" sldId="2147483726"/>
-            <pc:sldLayoutMk cId="3397889070" sldId="2147484299"/>
-          </pc:sldLayoutMkLst>
-        </pc:sldLayoutChg>
-      </pc:sldMasterChg>
-    </pc:docChg>
-  </pc:docChgLst>
 </pc:chgInfo>
 </file>
 
@@ -1304,10 +1304,10 @@
           </a:ln>
           <a:extLst>
             <a:ext uri="{FAA26D3D-D897-4be2-8F04-BA451C77F1D7}">
-              <ma14:placeholderFlag xmlns:ma14="http://schemas.microsoft.com/office/mac/drawingml/2011/main" xmlns="" val="1"/>
+              <ma14:placeholderFlag xmlns="" xmlns:ma14="http://schemas.microsoft.com/office/mac/drawingml/2011/main" val="1"/>
             </a:ext>
             <a:ext uri="{909E8E84-426E-40dd-AFC4-6F175D3DCCD1}">
-              <a14:hiddenFill xmlns="" xmlns:a14="http://schemas.microsoft.com/office/drawing/2010/main">
+              <a14:hiddenFill xmlns:a14="http://schemas.microsoft.com/office/drawing/2010/main" xmlns="">
                 <a:solidFill>
                   <a:srgbClr val="FFFFFF"/>
                 </a:solidFill>
@@ -1683,14 +1683,14 @@
           <a:ln w="9525"/>
           <a:extLst>
             <a:ext uri="{909E8E84-426E-40dd-AFC4-6F175D3DCCD1}">
-              <a14:hiddenFill xmlns="" xmlns:a14="http://schemas.microsoft.com/office/drawing/2010/main">
+              <a14:hiddenFill xmlns:a14="http://schemas.microsoft.com/office/drawing/2010/main" xmlns="">
                 <a:solidFill>
                   <a:srgbClr val="FFFFFF"/>
                 </a:solidFill>
               </a14:hiddenFill>
             </a:ext>
             <a:ext uri="{91240B29-F687-4f45-9708-019B960494DF}">
-              <a14:hiddenLine xmlns="" xmlns:a14="http://schemas.microsoft.com/office/drawing/2010/main" w="9525">
+              <a14:hiddenLine xmlns:a14="http://schemas.microsoft.com/office/drawing/2010/main" xmlns="" w="9525">
                 <a:solidFill>
                   <a:srgbClr val="000000"/>
                 </a:solidFill>
@@ -1768,17 +1768,17 @@
           <a:ln/>
           <a:extLst>
             <a:ext uri="{FAA26D3D-D897-4be2-8F04-BA451C77F1D7}">
-              <ma14:placeholderFlag xmlns:ma14="http://schemas.microsoft.com/office/mac/drawingml/2011/main" xmlns="" val="1"/>
+              <ma14:placeholderFlag xmlns="" xmlns:ma14="http://schemas.microsoft.com/office/mac/drawingml/2011/main" val="1"/>
             </a:ext>
             <a:ext uri="{909E8E84-426E-40dd-AFC4-6F175D3DCCD1}">
-              <a14:hiddenFill xmlns="" xmlns:a14="http://schemas.microsoft.com/office/drawing/2010/main">
+              <a14:hiddenFill xmlns:a14="http://schemas.microsoft.com/office/drawing/2010/main" xmlns="">
                 <a:solidFill>
                   <a:srgbClr val="FFFFFF"/>
                 </a:solidFill>
               </a14:hiddenFill>
             </a:ext>
             <a:ext uri="{91240B29-F687-4f45-9708-019B960494DF}">
-              <a14:hiddenLine xmlns="" xmlns:a14="http://schemas.microsoft.com/office/drawing/2010/main" w="9525">
+              <a14:hiddenLine xmlns:a14="http://schemas.microsoft.com/office/drawing/2010/main" xmlns="" w="9525">
                 <a:solidFill>
                   <a:srgbClr val="000000"/>
                 </a:solidFill>
@@ -1814,14 +1814,14 @@
           <a:ln/>
           <a:extLst>
             <a:ext uri="{909E8E84-426E-40dd-AFC4-6F175D3DCCD1}">
-              <a14:hiddenFill xmlns="" xmlns:a14="http://schemas.microsoft.com/office/drawing/2010/main">
+              <a14:hiddenFill xmlns:a14="http://schemas.microsoft.com/office/drawing/2010/main" xmlns="">
                 <a:solidFill>
                   <a:srgbClr val="FFFFFF"/>
                 </a:solidFill>
               </a14:hiddenFill>
             </a:ext>
             <a:ext uri="{91240B29-F687-4f45-9708-019B960494DF}">
-              <a14:hiddenLine xmlns="" xmlns:a14="http://schemas.microsoft.com/office/drawing/2010/main" w="9525">
+              <a14:hiddenLine xmlns:a14="http://schemas.microsoft.com/office/drawing/2010/main" xmlns="" w="9525">
                 <a:solidFill>
                   <a:srgbClr val="000000"/>
                 </a:solidFill>
@@ -2030,17 +2030,17 @@
           <a:ln/>
           <a:extLst>
             <a:ext uri="{FAA26D3D-D897-4be2-8F04-BA451C77F1D7}">
-              <ma14:placeholderFlag xmlns:ma14="http://schemas.microsoft.com/office/mac/drawingml/2011/main" xmlns="" val="1"/>
+              <ma14:placeholderFlag xmlns="" xmlns:ma14="http://schemas.microsoft.com/office/mac/drawingml/2011/main" val="1"/>
             </a:ext>
             <a:ext uri="{909E8E84-426E-40dd-AFC4-6F175D3DCCD1}">
-              <a14:hiddenFill xmlns="" xmlns:a14="http://schemas.microsoft.com/office/drawing/2010/main">
+              <a14:hiddenFill xmlns:a14="http://schemas.microsoft.com/office/drawing/2010/main" xmlns="">
                 <a:solidFill>
                   <a:srgbClr val="FFFFFF"/>
                 </a:solidFill>
               </a14:hiddenFill>
             </a:ext>
             <a:ext uri="{91240B29-F687-4f45-9708-019B960494DF}">
-              <a14:hiddenLine xmlns="" xmlns:a14="http://schemas.microsoft.com/office/drawing/2010/main" w="9525">
+              <a14:hiddenLine xmlns:a14="http://schemas.microsoft.com/office/drawing/2010/main" xmlns="" w="9525">
                 <a:solidFill>
                   <a:srgbClr val="000000"/>
                 </a:solidFill>
@@ -2076,14 +2076,14 @@
           <a:ln/>
           <a:extLst>
             <a:ext uri="{909E8E84-426E-40dd-AFC4-6F175D3DCCD1}">
-              <a14:hiddenFill xmlns="" xmlns:a14="http://schemas.microsoft.com/office/drawing/2010/main">
+              <a14:hiddenFill xmlns:a14="http://schemas.microsoft.com/office/drawing/2010/main" xmlns="">
                 <a:solidFill>
                   <a:srgbClr val="FFFFFF"/>
                 </a:solidFill>
               </a14:hiddenFill>
             </a:ext>
             <a:ext uri="{91240B29-F687-4f45-9708-019B960494DF}">
-              <a14:hiddenLine xmlns="" xmlns:a14="http://schemas.microsoft.com/office/drawing/2010/main" w="9525">
+              <a14:hiddenLine xmlns:a14="http://schemas.microsoft.com/office/drawing/2010/main" xmlns="" w="9525">
                 <a:solidFill>
                   <a:srgbClr val="000000"/>
                 </a:solidFill>
@@ -2292,17 +2292,17 @@
           <a:ln/>
           <a:extLst>
             <a:ext uri="{FAA26D3D-D897-4be2-8F04-BA451C77F1D7}">
-              <ma14:placeholderFlag xmlns:ma14="http://schemas.microsoft.com/office/mac/drawingml/2011/main" xmlns="" val="1"/>
+              <ma14:placeholderFlag xmlns="" xmlns:ma14="http://schemas.microsoft.com/office/mac/drawingml/2011/main" val="1"/>
             </a:ext>
             <a:ext uri="{909E8E84-426E-40dd-AFC4-6F175D3DCCD1}">
-              <a14:hiddenFill xmlns="" xmlns:a14="http://schemas.microsoft.com/office/drawing/2010/main">
+              <a14:hiddenFill xmlns:a14="http://schemas.microsoft.com/office/drawing/2010/main" xmlns="">
                 <a:solidFill>
                   <a:srgbClr val="FFFFFF"/>
                 </a:solidFill>
               </a14:hiddenFill>
             </a:ext>
             <a:ext uri="{91240B29-F687-4f45-9708-019B960494DF}">
-              <a14:hiddenLine xmlns="" xmlns:a14="http://schemas.microsoft.com/office/drawing/2010/main" w="9525">
+              <a14:hiddenLine xmlns:a14="http://schemas.microsoft.com/office/drawing/2010/main" xmlns="" w="9525">
                 <a:solidFill>
                   <a:srgbClr val="000000"/>
                 </a:solidFill>
@@ -2338,14 +2338,14 @@
           <a:ln/>
           <a:extLst>
             <a:ext uri="{909E8E84-426E-40dd-AFC4-6F175D3DCCD1}">
-              <a14:hiddenFill xmlns="" xmlns:a14="http://schemas.microsoft.com/office/drawing/2010/main">
+              <a14:hiddenFill xmlns:a14="http://schemas.microsoft.com/office/drawing/2010/main" xmlns="">
                 <a:solidFill>
                   <a:srgbClr val="FFFFFF"/>
                 </a:solidFill>
               </a14:hiddenFill>
             </a:ext>
             <a:ext uri="{91240B29-F687-4f45-9708-019B960494DF}">
-              <a14:hiddenLine xmlns="" xmlns:a14="http://schemas.microsoft.com/office/drawing/2010/main" w="9525">
+              <a14:hiddenLine xmlns:a14="http://schemas.microsoft.com/office/drawing/2010/main" xmlns="" w="9525">
                 <a:solidFill>
                   <a:srgbClr val="000000"/>
                 </a:solidFill>
@@ -2554,17 +2554,17 @@
           <a:ln/>
           <a:extLst>
             <a:ext uri="{FAA26D3D-D897-4be2-8F04-BA451C77F1D7}">
-              <ma14:placeholderFlag xmlns:ma14="http://schemas.microsoft.com/office/mac/drawingml/2011/main" xmlns="" val="1"/>
+              <ma14:placeholderFlag xmlns="" xmlns:ma14="http://schemas.microsoft.com/office/mac/drawingml/2011/main" val="1"/>
             </a:ext>
             <a:ext uri="{909E8E84-426E-40dd-AFC4-6F175D3DCCD1}">
-              <a14:hiddenFill xmlns="" xmlns:a14="http://schemas.microsoft.com/office/drawing/2010/main">
+              <a14:hiddenFill xmlns:a14="http://schemas.microsoft.com/office/drawing/2010/main" xmlns="">
                 <a:solidFill>
                   <a:srgbClr val="FFFFFF"/>
                 </a:solidFill>
               </a14:hiddenFill>
             </a:ext>
             <a:ext uri="{91240B29-F687-4f45-9708-019B960494DF}">
-              <a14:hiddenLine xmlns="" xmlns:a14="http://schemas.microsoft.com/office/drawing/2010/main" w="9525">
+              <a14:hiddenLine xmlns:a14="http://schemas.microsoft.com/office/drawing/2010/main" xmlns="" w="9525">
                 <a:solidFill>
                   <a:srgbClr val="000000"/>
                 </a:solidFill>
@@ -2600,14 +2600,14 @@
           <a:ln/>
           <a:extLst>
             <a:ext uri="{909E8E84-426E-40dd-AFC4-6F175D3DCCD1}">
-              <a14:hiddenFill xmlns="" xmlns:a14="http://schemas.microsoft.com/office/drawing/2010/main">
+              <a14:hiddenFill xmlns:a14="http://schemas.microsoft.com/office/drawing/2010/main" xmlns="">
                 <a:solidFill>
                   <a:srgbClr val="FFFFFF"/>
                 </a:solidFill>
               </a14:hiddenFill>
             </a:ext>
             <a:ext uri="{91240B29-F687-4f45-9708-019B960494DF}">
-              <a14:hiddenLine xmlns="" xmlns:a14="http://schemas.microsoft.com/office/drawing/2010/main" w="9525">
+              <a14:hiddenLine xmlns:a14="http://schemas.microsoft.com/office/drawing/2010/main" xmlns="" w="9525">
                 <a:solidFill>
                   <a:srgbClr val="000000"/>
                 </a:solidFill>
@@ -2816,17 +2816,17 @@
           <a:ln/>
           <a:extLst>
             <a:ext uri="{FAA26D3D-D897-4be2-8F04-BA451C77F1D7}">
-              <ma14:placeholderFlag xmlns:ma14="http://schemas.microsoft.com/office/mac/drawingml/2011/main" xmlns="" val="1"/>
+              <ma14:placeholderFlag xmlns="" xmlns:ma14="http://schemas.microsoft.com/office/mac/drawingml/2011/main" val="1"/>
             </a:ext>
             <a:ext uri="{909E8E84-426E-40dd-AFC4-6F175D3DCCD1}">
-              <a14:hiddenFill xmlns="" xmlns:a14="http://schemas.microsoft.com/office/drawing/2010/main">
+              <a14:hiddenFill xmlns:a14="http://schemas.microsoft.com/office/drawing/2010/main" xmlns="">
                 <a:solidFill>
                   <a:srgbClr val="FFFFFF"/>
                 </a:solidFill>
               </a14:hiddenFill>
             </a:ext>
             <a:ext uri="{91240B29-F687-4f45-9708-019B960494DF}">
-              <a14:hiddenLine xmlns="" xmlns:a14="http://schemas.microsoft.com/office/drawing/2010/main" w="9525">
+              <a14:hiddenLine xmlns:a14="http://schemas.microsoft.com/office/drawing/2010/main" xmlns="" w="9525">
                 <a:solidFill>
                   <a:srgbClr val="000000"/>
                 </a:solidFill>
@@ -2862,14 +2862,14 @@
           <a:ln/>
           <a:extLst>
             <a:ext uri="{909E8E84-426E-40dd-AFC4-6F175D3DCCD1}">
-              <a14:hiddenFill xmlns="" xmlns:a14="http://schemas.microsoft.com/office/drawing/2010/main">
+              <a14:hiddenFill xmlns:a14="http://schemas.microsoft.com/office/drawing/2010/main" xmlns="">
                 <a:solidFill>
                   <a:srgbClr val="FFFFFF"/>
                 </a:solidFill>
               </a14:hiddenFill>
             </a:ext>
             <a:ext uri="{91240B29-F687-4f45-9708-019B960494DF}">
-              <a14:hiddenLine xmlns="" xmlns:a14="http://schemas.microsoft.com/office/drawing/2010/main" w="9525">
+              <a14:hiddenLine xmlns:a14="http://schemas.microsoft.com/office/drawing/2010/main" xmlns="" w="9525">
                 <a:solidFill>
                   <a:srgbClr val="000000"/>
                 </a:solidFill>
@@ -10760,17 +10760,17 @@
           </a:ln>
           <a:extLst>
             <a:ext uri="{FAA26D3D-D897-4be2-8F04-BA451C77F1D7}">
-              <ma14:placeholderFlag xmlns:ma14="http://schemas.microsoft.com/office/mac/drawingml/2011/main" xmlns="" val="1"/>
+              <ma14:placeholderFlag xmlns="" xmlns:ma14="http://schemas.microsoft.com/office/mac/drawingml/2011/main" val="1"/>
             </a:ext>
             <a:ext uri="{909E8E84-426E-40dd-AFC4-6F175D3DCCD1}">
-              <a14:hiddenFill xmlns="" xmlns:a14="http://schemas.microsoft.com/office/drawing/2010/main">
+              <a14:hiddenFill xmlns:a14="http://schemas.microsoft.com/office/drawing/2010/main" xmlns="">
                 <a:solidFill>
                   <a:srgbClr val="FFFFFF"/>
                 </a:solidFill>
               </a14:hiddenFill>
             </a:ext>
             <a:ext uri="{91240B29-F687-4f45-9708-019B960494DF}">
-              <a14:hiddenLine xmlns="" xmlns:a14="http://schemas.microsoft.com/office/drawing/2010/main" w="9525">
+              <a14:hiddenLine xmlns:a14="http://schemas.microsoft.com/office/drawing/2010/main" xmlns="" w="9525">
                 <a:solidFill>
                   <a:srgbClr val="000000"/>
                 </a:solidFill>
@@ -10821,17 +10821,17 @@
           </a:ln>
           <a:extLst>
             <a:ext uri="{FAA26D3D-D897-4be2-8F04-BA451C77F1D7}">
-              <ma14:placeholderFlag xmlns:ma14="http://schemas.microsoft.com/office/mac/drawingml/2011/main" xmlns="" val="1"/>
+              <ma14:placeholderFlag xmlns="" xmlns:ma14="http://schemas.microsoft.com/office/mac/drawingml/2011/main" val="1"/>
             </a:ext>
             <a:ext uri="{909E8E84-426E-40dd-AFC4-6F175D3DCCD1}">
-              <a14:hiddenFill xmlns="" xmlns:a14="http://schemas.microsoft.com/office/drawing/2010/main">
+              <a14:hiddenFill xmlns:a14="http://schemas.microsoft.com/office/drawing/2010/main" xmlns="">
                 <a:solidFill>
                   <a:srgbClr val="FFFFFF"/>
                 </a:solidFill>
               </a14:hiddenFill>
             </a:ext>
             <a:ext uri="{91240B29-F687-4f45-9708-019B960494DF}">
-              <a14:hiddenLine xmlns="" xmlns:a14="http://schemas.microsoft.com/office/drawing/2010/main" w="9525">
+              <a14:hiddenLine xmlns:a14="http://schemas.microsoft.com/office/drawing/2010/main" xmlns="" w="9525">
                 <a:solidFill>
                   <a:srgbClr val="000000"/>
                 </a:solidFill>
@@ -11511,7 +11511,7 @@
           <a:noFill/>
           <a:extLst>
             <a:ext uri="{909E8E84-426E-40dd-AFC4-6F175D3DCCD1}">
-              <a14:hiddenFill xmlns="" xmlns:a14="http://schemas.microsoft.com/office/drawing/2010/main">
+              <a14:hiddenFill xmlns:a14="http://schemas.microsoft.com/office/drawing/2010/main" xmlns="">
                 <a:solidFill>
                   <a:srgbClr val="FFFFFF"/>
                 </a:solidFill>
@@ -12282,7 +12282,7 @@
           <a:lstStyle/>
           <a:p>
             <a:r>
-              <a:rPr lang="en-US">
+              <a:rPr lang="en-US" dirty="0">
                 <a:latin typeface="Gill Sans MT" charset="0"/>
               </a:rPr>
               <a:t>HTTP connections</a:t>
@@ -12310,7 +12310,7 @@
               <a:buNone/>
             </a:pPr>
             <a:r>
-              <a:rPr lang="en-US" i="1">
+              <a:rPr lang="en-US" i="1" dirty="0">
                 <a:solidFill>
                   <a:srgbClr val="CC0000"/>
                 </a:solidFill>
@@ -12321,7 +12321,7 @@
           </a:p>
           <a:p>
             <a:r>
-              <a:rPr lang="en-US">
+              <a:rPr lang="en-US" dirty="0">
                 <a:latin typeface="Gill Sans MT" charset="0"/>
               </a:rPr>
               <a:t>at most one object sent over TCP connection</a:t>
@@ -12330,7 +12330,7 @@
           <a:p>
             <a:pPr lvl="1"/>
             <a:r>
-              <a:rPr lang="en-US" sz="2800">
+              <a:rPr lang="en-US" sz="2800" dirty="0">
                 <a:latin typeface="Gill Sans MT" charset="0"/>
               </a:rPr>
               <a:t>connection then closed</a:t>
@@ -12338,7 +12338,7 @@
           </a:p>
           <a:p>
             <a:r>
-              <a:rPr lang="en-US">
+              <a:rPr lang="en-US" dirty="0">
                 <a:latin typeface="Gill Sans MT" charset="0"/>
               </a:rPr>
               <a:t>downloading multiple objects required multiple connections</a:t>
@@ -12349,7 +12349,7 @@
               <a:buFont typeface="Wingdings" charset="0"/>
               <a:buNone/>
             </a:pPr>
-            <a:endParaRPr lang="en-US" sz="2400">
+            <a:endParaRPr lang="en-US" sz="2400" dirty="0">
               <a:latin typeface="Gill Sans MT" charset="0"/>
             </a:endParaRPr>
           </a:p>
@@ -12380,7 +12380,7 @@
               <a:buNone/>
             </a:pPr>
             <a:r>
-              <a:rPr lang="en-US" i="1">
+              <a:rPr lang="en-US" i="1" dirty="0">
                 <a:solidFill>
                   <a:srgbClr val="CC0000"/>
                 </a:solidFill>
@@ -12391,7 +12391,7 @@
           </a:p>
           <a:p>
             <a:r>
-              <a:rPr lang="en-US">
+              <a:rPr lang="en-US" dirty="0">
                 <a:latin typeface="Gill Sans MT" charset="0"/>
               </a:rPr>
               <a:t>multiple objects can be sent over single TCP connection between client, server</a:t>
@@ -12402,7 +12402,7 @@
               <a:buFont typeface="Wingdings" charset="0"/>
               <a:buNone/>
             </a:pPr>
-            <a:endParaRPr lang="en-US" sz="2400">
+            <a:endParaRPr lang="en-US" sz="2400" dirty="0">
               <a:latin typeface="Gill Sans MT" charset="0"/>
             </a:endParaRPr>
           </a:p>
@@ -12443,14 +12443,14 @@
           </a:ln>
           <a:extLst>
             <a:ext uri="{909E8E84-426E-40dd-AFC4-6F175D3DCCD1}">
-              <a14:hiddenFill xmlns="" xmlns:a14="http://schemas.microsoft.com/office/drawing/2010/main">
+              <a14:hiddenFill xmlns:a14="http://schemas.microsoft.com/office/drawing/2010/main" xmlns="">
                 <a:solidFill>
                   <a:srgbClr val="FFFFFF"/>
                 </a:solidFill>
               </a14:hiddenFill>
             </a:ext>
             <a:ext uri="{91240B29-F687-4f45-9708-019B960494DF}">
-              <a14:hiddenLine xmlns="" xmlns:a14="http://schemas.microsoft.com/office/drawing/2010/main" w="9525">
+              <a14:hiddenLine xmlns:a14="http://schemas.microsoft.com/office/drawing/2010/main" xmlns="" w="9525">
                 <a:solidFill>
                   <a:srgbClr val="000000"/>
                 </a:solidFill>
@@ -12636,14 +12636,14 @@
           </a:ln>
           <a:extLst>
             <a:ext uri="{909E8E84-426E-40dd-AFC4-6F175D3DCCD1}">
-              <a14:hiddenFill xmlns="" xmlns:a14="http://schemas.microsoft.com/office/drawing/2010/main">
+              <a14:hiddenFill xmlns:a14="http://schemas.microsoft.com/office/drawing/2010/main" xmlns="">
                 <a:solidFill>
                   <a:srgbClr val="FFFFFF"/>
                 </a:solidFill>
               </a14:hiddenFill>
             </a:ext>
             <a:ext uri="{91240B29-F687-4f45-9708-019B960494DF}">
-              <a14:hiddenLine xmlns="" xmlns:a14="http://schemas.microsoft.com/office/drawing/2010/main" w="9525">
+              <a14:hiddenLine xmlns:a14="http://schemas.microsoft.com/office/drawing/2010/main" xmlns="" w="9525">
                 <a:solidFill>
                   <a:srgbClr val="000000"/>
                 </a:solidFill>
@@ -12682,7 +12682,7 @@
           </a:ln>
           <a:extLst>
             <a:ext uri="{909E8E84-426E-40dd-AFC4-6F175D3DCCD1}">
-              <a14:hiddenFill xmlns="" xmlns:a14="http://schemas.microsoft.com/office/drawing/2010/main">
+              <a14:hiddenFill xmlns:a14="http://schemas.microsoft.com/office/drawing/2010/main" xmlns="">
                 <a:noFill/>
               </a14:hiddenFill>
             </a:ext>
@@ -12720,7 +12720,7 @@
           </a:ln>
           <a:extLst>
             <a:ext uri="{91240B29-F687-4f45-9708-019B960494DF}">
-              <a14:hiddenLine xmlns="" xmlns:a14="http://schemas.microsoft.com/office/drawing/2010/main" w="9525">
+              <a14:hiddenLine xmlns:a14="http://schemas.microsoft.com/office/drawing/2010/main" xmlns="" w="9525">
                 <a:solidFill>
                   <a:srgbClr val="000000"/>
                 </a:solidFill>
@@ -12762,12 +12762,12 @@
           <a:lstStyle/>
           <a:p>
             <a:r>
-              <a:rPr lang="en-US" sz="4000">
+              <a:rPr lang="en-US" sz="4000" dirty="0">
                 <a:latin typeface="Gill Sans MT" charset="0"/>
               </a:rPr>
               <a:t>Non-persistent HTTP</a:t>
             </a:r>
-            <a:endParaRPr lang="en-US">
+            <a:endParaRPr lang="en-US" dirty="0">
               <a:latin typeface="Gill Sans MT" charset="0"/>
             </a:endParaRPr>
           </a:p>
@@ -12798,7 +12798,7 @@
               <a:buNone/>
             </a:pPr>
             <a:r>
-              <a:rPr lang="en-US" sz="2400">
+              <a:rPr lang="en-US" sz="2400" dirty="0">
                 <a:latin typeface="Gill Sans MT" charset="0"/>
               </a:rPr>
               <a:t>suppose user enters URL:</a:t>
@@ -12831,7 +12831,7 @@
               <a:buNone/>
             </a:pPr>
             <a:r>
-              <a:rPr lang="en-US" sz="2000">
+              <a:rPr lang="en-US" sz="2000" dirty="0">
                 <a:solidFill>
                   <a:srgbClr val="CC0000"/>
                 </a:solidFill>
@@ -12840,7 +12840,7 @@
               <a:t>1a</a:t>
             </a:r>
             <a:r>
-              <a:rPr lang="en-US" sz="2000">
+              <a:rPr lang="en-US" sz="2000" dirty="0">
                 <a:solidFill>
                   <a:srgbClr val="FF0000"/>
                 </a:solidFill>
@@ -12849,10 +12849,22 @@
               <a:t>.</a:t>
             </a:r>
             <a:r>
-              <a:rPr lang="en-US" sz="2000">
+              <a:rPr lang="en-US" sz="2000" dirty="0">
                 <a:latin typeface="Gill Sans MT" charset="0"/>
               </a:rPr>
-              <a:t> HTTP client initiates TCP connection to HTTP server (process) at www.someSchool.edu on port 80</a:t>
+              <a:t> HTTP client initiates TCP connection to HTTP server (process) at </a:t>
+            </a:r>
+            <a:r>
+              <a:rPr lang="en-US" sz="2000" dirty="0" err="1">
+                <a:latin typeface="Gill Sans MT" charset="0"/>
+              </a:rPr>
+              <a:t>www.someSchool.edu</a:t>
+            </a:r>
+            <a:r>
+              <a:rPr lang="en-US" sz="2000" dirty="0">
+                <a:latin typeface="Gill Sans MT" charset="0"/>
+              </a:rPr>
+              <a:t> on port 80</a:t>
             </a:r>
           </a:p>
         </p:txBody>
@@ -12879,14 +12891,14 @@
           </a:ln>
           <a:extLst>
             <a:ext uri="{909E8E84-426E-40dd-AFC4-6F175D3DCCD1}">
-              <a14:hiddenFill xmlns="" xmlns:a14="http://schemas.microsoft.com/office/drawing/2010/main">
+              <a14:hiddenFill xmlns:a14="http://schemas.microsoft.com/office/drawing/2010/main" xmlns="">
                 <a:solidFill>
                   <a:srgbClr val="FFFFFF"/>
                 </a:solidFill>
               </a14:hiddenFill>
             </a:ext>
             <a:ext uri="{91240B29-F687-4f45-9708-019B960494DF}">
-              <a14:hiddenLine xmlns="" xmlns:a14="http://schemas.microsoft.com/office/drawing/2010/main" w="9525">
+              <a14:hiddenLine xmlns:a14="http://schemas.microsoft.com/office/drawing/2010/main" xmlns="" w="9525">
                 <a:solidFill>
                   <a:srgbClr val="000000"/>
                 </a:solidFill>
@@ -12903,7 +12915,7 @@
           <a:p>
             <a:pPr marL="342900" indent="-342900"/>
             <a:r>
-              <a:rPr lang="en-US">
+              <a:rPr lang="en-US" dirty="0">
                 <a:solidFill>
                   <a:srgbClr val="CC0000"/>
                 </a:solidFill>
@@ -12912,7 +12924,7 @@
               <a:t>2</a:t>
             </a:r>
             <a:r>
-              <a:rPr lang="en-US">
+              <a:rPr lang="en-US" dirty="0">
                 <a:solidFill>
                   <a:srgbClr val="FF0000"/>
                 </a:solidFill>
@@ -12921,13 +12933,13 @@
               <a:t>.</a:t>
             </a:r>
             <a:r>
-              <a:rPr lang="en-US">
+              <a:rPr lang="en-US" dirty="0">
                 <a:latin typeface="Gill Sans MT" charset="0"/>
               </a:rPr>
               <a:t> HTTP client sends HTTP </a:t>
             </a:r>
             <a:r>
-              <a:rPr lang="en-US" i="1">
+              <a:rPr lang="en-US" i="1" dirty="0">
                 <a:solidFill>
                   <a:srgbClr val="000099"/>
                 </a:solidFill>
@@ -12936,11 +12948,32 @@
               <a:t>request message</a:t>
             </a:r>
             <a:r>
-              <a:rPr lang="en-US">
+              <a:rPr lang="en-US" dirty="0">
                 <a:latin typeface="Gill Sans MT" charset="0"/>
               </a:rPr>
-              <a:t> (containing URL) into TCP connection socket. Message indicates that client wants object someDepartment/home.index</a:t>
-            </a:r>
+              <a:t> (containing URL) into TCP connection socket. Message indicates that client wants object </a:t>
+            </a:r>
+            <a:r>
+              <a:rPr lang="en-US" dirty="0" err="1">
+                <a:latin typeface="Gill Sans MT" charset="0"/>
+              </a:rPr>
+              <a:t>someDepartment</a:t>
+            </a:r>
+            <a:r>
+              <a:rPr lang="en-US" dirty="0">
+                <a:latin typeface="Gill Sans MT" charset="0"/>
+              </a:rPr>
+              <a:t>/</a:t>
+            </a:r>
+            <a:r>
+              <a:rPr lang="en-US" dirty="0" err="1">
+                <a:latin typeface="Gill Sans MT" charset="0"/>
+              </a:rPr>
+              <a:t>home.index</a:t>
+            </a:r>
+            <a:endParaRPr lang="en-US" dirty="0">
+              <a:latin typeface="Gill Sans MT" charset="0"/>
+            </a:endParaRPr>
           </a:p>
         </p:txBody>
       </p:sp>
@@ -12966,14 +12999,14 @@
           </a:ln>
           <a:extLst>
             <a:ext uri="{909E8E84-426E-40dd-AFC4-6F175D3DCCD1}">
-              <a14:hiddenFill xmlns="" xmlns:a14="http://schemas.microsoft.com/office/drawing/2010/main">
+              <a14:hiddenFill xmlns:a14="http://schemas.microsoft.com/office/drawing/2010/main" xmlns="">
                 <a:solidFill>
                   <a:srgbClr val="FFFFFF"/>
                 </a:solidFill>
               </a14:hiddenFill>
             </a:ext>
             <a:ext uri="{91240B29-F687-4f45-9708-019B960494DF}">
-              <a14:hiddenLine xmlns="" xmlns:a14="http://schemas.microsoft.com/office/drawing/2010/main" w="9525">
+              <a14:hiddenLine xmlns:a14="http://schemas.microsoft.com/office/drawing/2010/main" xmlns="" w="9525">
                 <a:solidFill>
                   <a:srgbClr val="000000"/>
                 </a:solidFill>
@@ -12990,7 +13023,7 @@
           <a:p>
             <a:pPr marL="342900" indent="-342900"/>
             <a:r>
-              <a:rPr lang="en-US">
+              <a:rPr lang="en-US" dirty="0">
                 <a:solidFill>
                   <a:srgbClr val="CC0000"/>
                 </a:solidFill>
@@ -12999,7 +13032,7 @@
               <a:t>1b</a:t>
             </a:r>
             <a:r>
-              <a:rPr lang="en-US">
+              <a:rPr lang="en-US" dirty="0">
                 <a:solidFill>
                   <a:srgbClr val="FF0000"/>
                 </a:solidFill>
@@ -13008,10 +13041,22 @@
               <a:t>.</a:t>
             </a:r>
             <a:r>
-              <a:rPr lang="en-US">
+              <a:rPr lang="en-US" dirty="0">
                 <a:latin typeface="Gill Sans MT" charset="0"/>
               </a:rPr>
-              <a:t> HTTP server at host www.someSchool.edu waiting for TCP connection at port 80.  </a:t>
+              <a:t> HTTP server at host </a:t>
+            </a:r>
+            <a:r>
+              <a:rPr lang="en-US" dirty="0" err="1">
+                <a:latin typeface="Gill Sans MT" charset="0"/>
+              </a:rPr>
+              <a:t>www.someSchool.edu</a:t>
+            </a:r>
+            <a:r>
+              <a:rPr lang="en-US" dirty="0">
+                <a:latin typeface="Gill Sans MT" charset="0"/>
+              </a:rPr>
+              <a:t> waiting for TCP connection at port 80.  </a:t>
             </a:r>
             <a:r>
               <a:rPr lang="ja-JP" altLang="en-US">
@@ -13020,7 +13065,7 @@
               <a:t>“</a:t>
             </a:r>
             <a:r>
-              <a:rPr lang="en-US" altLang="ja-JP">
+              <a:rPr lang="en-US" altLang="ja-JP" dirty="0">
                 <a:latin typeface="Gill Sans MT" charset="0"/>
               </a:rPr>
               <a:t>accepts</a:t>
@@ -13032,12 +13077,12 @@
               <a:t>”</a:t>
             </a:r>
             <a:r>
-              <a:rPr lang="en-US" altLang="ja-JP">
+              <a:rPr lang="en-US" altLang="ja-JP" dirty="0">
                 <a:latin typeface="Gill Sans MT" charset="0"/>
               </a:rPr>
               <a:t> connection, notifying client</a:t>
             </a:r>
-            <a:endParaRPr lang="en-US">
+            <a:endParaRPr lang="en-US" dirty="0">
               <a:latin typeface="Gill Sans MT" charset="0"/>
             </a:endParaRPr>
           </a:p>
@@ -13065,14 +13110,14 @@
           </a:ln>
           <a:extLst>
             <a:ext uri="{909E8E84-426E-40dd-AFC4-6F175D3DCCD1}">
-              <a14:hiddenFill xmlns="" xmlns:a14="http://schemas.microsoft.com/office/drawing/2010/main">
+              <a14:hiddenFill xmlns:a14="http://schemas.microsoft.com/office/drawing/2010/main" xmlns="">
                 <a:solidFill>
                   <a:srgbClr val="FFFFFF"/>
                 </a:solidFill>
               </a14:hiddenFill>
             </a:ext>
             <a:ext uri="{91240B29-F687-4f45-9708-019B960494DF}">
-              <a14:hiddenLine xmlns="" xmlns:a14="http://schemas.microsoft.com/office/drawing/2010/main" w="9525">
+              <a14:hiddenLine xmlns:a14="http://schemas.microsoft.com/office/drawing/2010/main" xmlns="" w="9525">
                 <a:solidFill>
                   <a:srgbClr val="000000"/>
                 </a:solidFill>
@@ -13157,7 +13202,7 @@
           </a:ln>
           <a:extLst>
             <a:ext uri="{909E8E84-426E-40dd-AFC4-6F175D3DCCD1}">
-              <a14:hiddenFill xmlns="" xmlns:a14="http://schemas.microsoft.com/office/drawing/2010/main">
+              <a14:hiddenFill xmlns:a14="http://schemas.microsoft.com/office/drawing/2010/main" xmlns="">
                 <a:noFill/>
               </a14:hiddenFill>
             </a:ext>
@@ -13198,7 +13243,7 @@
           </a:ln>
           <a:extLst>
             <a:ext uri="{909E8E84-426E-40dd-AFC4-6F175D3DCCD1}">
-              <a14:hiddenFill xmlns="" xmlns:a14="http://schemas.microsoft.com/office/drawing/2010/main">
+              <a14:hiddenFill xmlns:a14="http://schemas.microsoft.com/office/drawing/2010/main" xmlns="">
                 <a:noFill/>
               </a14:hiddenFill>
             </a:ext>
@@ -13239,7 +13284,7 @@
           </a:ln>
           <a:extLst>
             <a:ext uri="{909E8E84-426E-40dd-AFC4-6F175D3DCCD1}">
-              <a14:hiddenFill xmlns="" xmlns:a14="http://schemas.microsoft.com/office/drawing/2010/main">
+              <a14:hiddenFill xmlns:a14="http://schemas.microsoft.com/office/drawing/2010/main" xmlns="">
                 <a:solidFill>
                   <a:srgbClr val="FFFFFF"/>
                 </a:solidFill>
@@ -13427,7 +13472,7 @@
           </a:ln>
           <a:extLst>
             <a:ext uri="{909E8E84-426E-40dd-AFC4-6F175D3DCCD1}">
-              <a14:hiddenFill xmlns="" xmlns:a14="http://schemas.microsoft.com/office/drawing/2010/main">
+              <a14:hiddenFill xmlns:a14="http://schemas.microsoft.com/office/drawing/2010/main" xmlns="">
                 <a:noFill/>
               </a14:hiddenFill>
             </a:ext>
@@ -13468,7 +13513,7 @@
           </a:ln>
           <a:extLst>
             <a:ext uri="{909E8E84-426E-40dd-AFC4-6F175D3DCCD1}">
-              <a14:hiddenFill xmlns="" xmlns:a14="http://schemas.microsoft.com/office/drawing/2010/main">
+              <a14:hiddenFill xmlns:a14="http://schemas.microsoft.com/office/drawing/2010/main" xmlns="">
                 <a:noFill/>
               </a14:hiddenFill>
             </a:ext>
@@ -13504,14 +13549,14 @@
           </a:ln>
           <a:extLst>
             <a:ext uri="{909E8E84-426E-40dd-AFC4-6F175D3DCCD1}">
-              <a14:hiddenFill xmlns="" xmlns:a14="http://schemas.microsoft.com/office/drawing/2010/main">
+              <a14:hiddenFill xmlns:a14="http://schemas.microsoft.com/office/drawing/2010/main" xmlns="">
                 <a:solidFill>
                   <a:srgbClr val="FFFFFF"/>
                 </a:solidFill>
               </a14:hiddenFill>
             </a:ext>
             <a:ext uri="{91240B29-F687-4f45-9708-019B960494DF}">
-              <a14:hiddenLine xmlns="" xmlns:a14="http://schemas.microsoft.com/office/drawing/2010/main" w="9525">
+              <a14:hiddenLine xmlns:a14="http://schemas.microsoft.com/office/drawing/2010/main" xmlns="" w="9525">
                 <a:solidFill>
                   <a:srgbClr val="000000"/>
                 </a:solidFill>
@@ -13665,7 +13710,7 @@
               <a:buNone/>
             </a:pPr>
             <a:r>
-              <a:rPr lang="en-US" sz="1800"/>
+              <a:rPr lang="en-US" sz="1800" dirty="0"/>
               <a:t>(contains text, </a:t>
             </a:r>
           </a:p>
@@ -13680,7 +13725,7 @@
               <a:buNone/>
             </a:pPr>
             <a:r>
-              <a:rPr lang="en-US" sz="1800"/>
+              <a:rPr lang="en-US" sz="1800" dirty="0"/>
               <a:t>references to 10 </a:t>
             </a:r>
           </a:p>
@@ -13695,10 +13740,10 @@
               <a:buNone/>
             </a:pPr>
             <a:r>
-              <a:rPr lang="en-US" sz="1800"/>
+              <a:rPr lang="en-US" sz="1800" dirty="0"/>
               <a:t>jpeg images)</a:t>
             </a:r>
-            <a:endParaRPr lang="en-US" sz="2400">
+            <a:endParaRPr lang="en-US" sz="2400" dirty="0">
               <a:latin typeface="Times New Roman" charset="0"/>
             </a:endParaRPr>
           </a:p>
@@ -13726,14 +13771,14 @@
           </a:ln>
           <a:extLst>
             <a:ext uri="{909E8E84-426E-40dd-AFC4-6F175D3DCCD1}">
-              <a14:hiddenFill xmlns="" xmlns:a14="http://schemas.microsoft.com/office/drawing/2010/main">
+              <a14:hiddenFill xmlns:a14="http://schemas.microsoft.com/office/drawing/2010/main" xmlns="">
                 <a:solidFill>
                   <a:srgbClr val="FFFFFF"/>
                 </a:solidFill>
               </a14:hiddenFill>
             </a:ext>
             <a:ext uri="{91240B29-F687-4f45-9708-019B960494DF}">
-              <a14:hiddenLine xmlns="" xmlns:a14="http://schemas.microsoft.com/office/drawing/2010/main" w="9525">
+              <a14:hiddenLine xmlns:a14="http://schemas.microsoft.com/office/drawing/2010/main" xmlns="" w="9525">
                 <a:solidFill>
                   <a:srgbClr val="000000"/>
                 </a:solidFill>
@@ -13760,11 +13805,38 @@
               <a:buNone/>
             </a:pPr>
             <a:r>
-              <a:rPr lang="en-US" sz="1800" b="1">
+              <a:rPr lang="en-US" sz="1800" b="1" dirty="0" err="1">
                 <a:latin typeface="Courier New" charset="0"/>
               </a:rPr>
-              <a:t>www.someSchool.edu/someDepartment/home.index</a:t>
-            </a:r>
+              <a:t>www.someSchool.edu</a:t>
+            </a:r>
+            <a:r>
+              <a:rPr lang="en-US" sz="1800" b="1" dirty="0">
+                <a:latin typeface="Courier New" charset="0"/>
+              </a:rPr>
+              <a:t>/</a:t>
+            </a:r>
+            <a:r>
+              <a:rPr lang="en-US" sz="1800" b="1" dirty="0" err="1">
+                <a:latin typeface="Courier New" charset="0"/>
+              </a:rPr>
+              <a:t>someDepartment</a:t>
+            </a:r>
+            <a:r>
+              <a:rPr lang="en-US" sz="1800" b="1" dirty="0">
+                <a:latin typeface="Courier New" charset="0"/>
+              </a:rPr>
+              <a:t>/</a:t>
+            </a:r>
+            <a:r>
+              <a:rPr lang="en-US" sz="1800" b="1" dirty="0" err="1">
+                <a:latin typeface="Courier New" charset="0"/>
+              </a:rPr>
+              <a:t>home.index</a:t>
+            </a:r>
+            <a:endParaRPr lang="en-US" sz="1800" b="1" dirty="0">
+              <a:latin typeface="Courier New" charset="0"/>
+            </a:endParaRPr>
           </a:p>
         </p:txBody>
       </p:sp>
@@ -14360,14 +14432,14 @@
           </a:ln>
           <a:extLst>
             <a:ext uri="{909E8E84-426E-40dd-AFC4-6F175D3DCCD1}">
-              <a14:hiddenFill xmlns="" xmlns:a14="http://schemas.microsoft.com/office/drawing/2010/main">
+              <a14:hiddenFill xmlns:a14="http://schemas.microsoft.com/office/drawing/2010/main" xmlns="">
                 <a:solidFill>
                   <a:srgbClr val="FFFFFF"/>
                 </a:solidFill>
               </a14:hiddenFill>
             </a:ext>
             <a:ext uri="{91240B29-F687-4f45-9708-019B960494DF}">
-              <a14:hiddenLine xmlns="" xmlns:a14="http://schemas.microsoft.com/office/drawing/2010/main" w="9525">
+              <a14:hiddenLine xmlns:a14="http://schemas.microsoft.com/office/drawing/2010/main" xmlns="" w="9525">
                 <a:solidFill>
                   <a:srgbClr val="000000"/>
                 </a:solidFill>
@@ -14436,7 +14508,7 @@
               <a:buNone/>
             </a:pPr>
             <a:r>
-              <a:rPr lang="en-US" sz="2000">
+              <a:rPr lang="en-US" sz="2000" dirty="0">
                 <a:solidFill>
                   <a:srgbClr val="CC0000"/>
                 </a:solidFill>
@@ -14445,7 +14517,7 @@
               <a:t>5</a:t>
             </a:r>
             <a:r>
-              <a:rPr lang="en-US" sz="1800">
+              <a:rPr lang="en-US" sz="1800" dirty="0">
                 <a:solidFill>
                   <a:srgbClr val="CC0000"/>
                 </a:solidFill>
@@ -14454,12 +14526,12 @@
               <a:t>.</a:t>
             </a:r>
             <a:r>
-              <a:rPr lang="en-US" sz="1800">
+              <a:rPr lang="en-US" sz="1800" dirty="0">
                 <a:latin typeface="Gill Sans MT" charset="0"/>
               </a:rPr>
               <a:t> HTTP client receives response message containing html file, displays html.  Parsing html file, finds 10 referenced jpeg  objects</a:t>
             </a:r>
-            <a:endParaRPr lang="en-US" sz="2000">
+            <a:endParaRPr lang="en-US" sz="2000" dirty="0">
               <a:latin typeface="Gill Sans MT" charset="0"/>
             </a:endParaRPr>
           </a:p>
@@ -14487,14 +14559,14 @@
           </a:ln>
           <a:extLst>
             <a:ext uri="{909E8E84-426E-40dd-AFC4-6F175D3DCCD1}">
-              <a14:hiddenFill xmlns="" xmlns:a14="http://schemas.microsoft.com/office/drawing/2010/main">
+              <a14:hiddenFill xmlns:a14="http://schemas.microsoft.com/office/drawing/2010/main" xmlns="">
                 <a:solidFill>
                   <a:srgbClr val="FFFFFF"/>
                 </a:solidFill>
               </a14:hiddenFill>
             </a:ext>
             <a:ext uri="{91240B29-F687-4f45-9708-019B960494DF}">
-              <a14:hiddenLine xmlns="" xmlns:a14="http://schemas.microsoft.com/office/drawing/2010/main" w="9525">
+              <a14:hiddenLine xmlns:a14="http://schemas.microsoft.com/office/drawing/2010/main" xmlns="" w="9525">
                 <a:solidFill>
                   <a:srgbClr val="000000"/>
                 </a:solidFill>
@@ -14511,7 +14583,7 @@
           <a:p>
             <a:pPr marL="342900" indent="-342900"/>
             <a:r>
-              <a:rPr lang="en-US">
+              <a:rPr lang="en-US" dirty="0">
                 <a:solidFill>
                   <a:srgbClr val="CC0000"/>
                 </a:solidFill>
@@ -14520,7 +14592,7 @@
               <a:t>6.</a:t>
             </a:r>
             <a:r>
-              <a:rPr lang="en-US">
+              <a:rPr lang="en-US" dirty="0">
                 <a:latin typeface="Gill Sans MT" charset="0"/>
               </a:rPr>
               <a:t> Steps 1-5 repeated for each of 10 jpeg objects</a:t>
@@ -14550,14 +14622,14 @@
           </a:ln>
           <a:extLst>
             <a:ext uri="{909E8E84-426E-40dd-AFC4-6F175D3DCCD1}">
-              <a14:hiddenFill xmlns="" xmlns:a14="http://schemas.microsoft.com/office/drawing/2010/main">
+              <a14:hiddenFill xmlns:a14="http://schemas.microsoft.com/office/drawing/2010/main" xmlns="">
                 <a:solidFill>
                   <a:srgbClr val="FFFFFF"/>
                 </a:solidFill>
               </a14:hiddenFill>
             </a:ext>
             <a:ext uri="{91240B29-F687-4f45-9708-019B960494DF}">
-              <a14:hiddenLine xmlns="" xmlns:a14="http://schemas.microsoft.com/office/drawing/2010/main" w="9525">
+              <a14:hiddenLine xmlns:a14="http://schemas.microsoft.com/office/drawing/2010/main" xmlns="" w="9525">
                 <a:solidFill>
                   <a:srgbClr val="000000"/>
                 </a:solidFill>
@@ -14574,7 +14646,7 @@
           <a:p>
             <a:pPr marL="342900" indent="-342900"/>
             <a:r>
-              <a:rPr lang="en-US">
+              <a:rPr lang="en-US" dirty="0">
                 <a:solidFill>
                   <a:srgbClr val="CC0000"/>
                 </a:solidFill>
@@ -14583,7 +14655,7 @@
               <a:t>4.</a:t>
             </a:r>
             <a:r>
-              <a:rPr lang="en-US">
+              <a:rPr lang="en-US" dirty="0">
                 <a:latin typeface="Gill Sans MT" charset="0"/>
               </a:rPr>
               <a:t> HTTP server closes TCP connection. </a:t>
@@ -14618,7 +14690,7 @@
           </a:ln>
           <a:extLst>
             <a:ext uri="{909E8E84-426E-40dd-AFC4-6F175D3DCCD1}">
-              <a14:hiddenFill xmlns="" xmlns:a14="http://schemas.microsoft.com/office/drawing/2010/main">
+              <a14:hiddenFill xmlns:a14="http://schemas.microsoft.com/office/drawing/2010/main" xmlns="">
                 <a:noFill/>
               </a14:hiddenFill>
             </a:ext>
@@ -14656,7 +14728,7 @@
           </a:ln>
           <a:extLst>
             <a:ext uri="{91240B29-F687-4f45-9708-019B960494DF}">
-              <a14:hiddenLine xmlns="" xmlns:a14="http://schemas.microsoft.com/office/drawing/2010/main" w="9525">
+              <a14:hiddenLine xmlns:a14="http://schemas.microsoft.com/office/drawing/2010/main" xmlns="" w="9525">
                 <a:solidFill>
                   <a:srgbClr val="000000"/>
                 </a:solidFill>
@@ -14699,14 +14771,14 @@
           </a:ln>
           <a:extLst>
             <a:ext uri="{909E8E84-426E-40dd-AFC4-6F175D3DCCD1}">
-              <a14:hiddenFill xmlns="" xmlns:a14="http://schemas.microsoft.com/office/drawing/2010/main">
+              <a14:hiddenFill xmlns:a14="http://schemas.microsoft.com/office/drawing/2010/main" xmlns="">
                 <a:solidFill>
                   <a:srgbClr val="FFFFFF"/>
                 </a:solidFill>
               </a14:hiddenFill>
             </a:ext>
             <a:ext uri="{91240B29-F687-4f45-9708-019B960494DF}">
-              <a14:hiddenLine xmlns="" xmlns:a14="http://schemas.microsoft.com/office/drawing/2010/main" w="9525">
+              <a14:hiddenLine xmlns:a14="http://schemas.microsoft.com/office/drawing/2010/main" xmlns="" w="9525">
                 <a:solidFill>
                   <a:srgbClr val="000000"/>
                 </a:solidFill>
@@ -14898,7 +14970,7 @@
           </a:ln>
           <a:extLst>
             <a:ext uri="{909E8E84-426E-40dd-AFC4-6F175D3DCCD1}">
-              <a14:hiddenFill xmlns="" xmlns:a14="http://schemas.microsoft.com/office/drawing/2010/main">
+              <a14:hiddenFill xmlns:a14="http://schemas.microsoft.com/office/drawing/2010/main" xmlns="">
                 <a:noFill/>
               </a14:hiddenFill>
             </a:ext>
@@ -15331,14 +15403,14 @@
           </a:ln>
           <a:extLst>
             <a:ext uri="{909E8E84-426E-40dd-AFC4-6F175D3DCCD1}">
-              <a14:hiddenFill xmlns="" xmlns:a14="http://schemas.microsoft.com/office/drawing/2010/main">
+              <a14:hiddenFill xmlns:a14="http://schemas.microsoft.com/office/drawing/2010/main" xmlns="">
                 <a:solidFill>
                   <a:srgbClr val="FFFFFF"/>
                 </a:solidFill>
               </a14:hiddenFill>
             </a:ext>
             <a:ext uri="{91240B29-F687-4f45-9708-019B960494DF}">
-              <a14:hiddenLine xmlns="" xmlns:a14="http://schemas.microsoft.com/office/drawing/2010/main" w="9525">
+              <a14:hiddenLine xmlns:a14="http://schemas.microsoft.com/office/drawing/2010/main" xmlns="" w="9525">
                 <a:solidFill>
                   <a:srgbClr val="000000"/>
                 </a:solidFill>
@@ -15362,7 +15434,7 @@
         </p:nvSpPr>
         <p:spPr>
           <a:xfrm>
-            <a:off x="242888" y="0"/>
+            <a:off x="176213" y="-76201"/>
             <a:ext cx="8223250" cy="925513"/>
           </a:xfrm>
         </p:spPr>
@@ -15371,7 +15443,7 @@
           <a:lstStyle/>
           <a:p>
             <a:r>
-              <a:rPr lang="en-US" sz="3600">
+              <a:rPr lang="en-US" sz="3600" dirty="0">
                 <a:latin typeface="Gill Sans MT" charset="0"/>
               </a:rPr>
               <a:t>Non-persistent HTTP: response time</a:t>
@@ -15404,7 +15476,7 @@
               <a:buNone/>
             </a:pPr>
             <a:r>
-              <a:rPr lang="en-US" sz="2400">
+              <a:rPr lang="en-US" sz="2400" dirty="0">
                 <a:solidFill>
                   <a:srgbClr val="CC0000"/>
                 </a:solidFill>
@@ -15413,7 +15485,7 @@
               <a:t>RTT (definition):</a:t>
             </a:r>
             <a:r>
-              <a:rPr lang="en-US" sz="2400">
+              <a:rPr lang="en-US" sz="2400" dirty="0">
                 <a:latin typeface="Gill Sans MT" charset="0"/>
               </a:rPr>
               <a:t> time for a small packet to travel from client to server and back</a:t>
@@ -15425,7 +15497,7 @@
               <a:buNone/>
             </a:pPr>
             <a:r>
-              <a:rPr lang="en-US" sz="2400">
+              <a:rPr lang="en-US" sz="2400" dirty="0">
                 <a:solidFill>
                   <a:srgbClr val="CC0000"/>
                 </a:solidFill>
@@ -15436,7 +15508,7 @@
           </a:p>
           <a:p>
             <a:r>
-              <a:rPr lang="en-US" sz="2400">
+              <a:rPr lang="en-US" sz="2400" dirty="0">
                 <a:latin typeface="Gill Sans MT" charset="0"/>
               </a:rPr>
               <a:t>one RTT to initiate TCP connection</a:t>
@@ -15444,7 +15516,7 @@
           </a:p>
           <a:p>
             <a:r>
-              <a:rPr lang="en-US" sz="2400">
+              <a:rPr lang="en-US" sz="2400" dirty="0">
                 <a:latin typeface="Gill Sans MT" charset="0"/>
               </a:rPr>
               <a:t>one RTT for HTTP request and first few bytes of HTTP response to return</a:t>
@@ -15452,7 +15524,7 @@
           </a:p>
           <a:p>
             <a:r>
-              <a:rPr lang="en-US" sz="2400">
+              <a:rPr lang="en-US" sz="2400" dirty="0">
                 <a:latin typeface="Gill Sans MT" charset="0"/>
               </a:rPr>
               <a:t>file transmission time</a:t>
@@ -15460,7 +15532,7 @@
           </a:p>
           <a:p>
             <a:r>
-              <a:rPr lang="en-US" sz="2400">
+              <a:rPr lang="en-US" sz="2400" dirty="0">
                 <a:latin typeface="Gill Sans MT" charset="0"/>
               </a:rPr>
               <a:t>non-persistent HTTP response time =   	</a:t>
@@ -15472,7 +15544,7 @@
               <a:buNone/>
             </a:pPr>
             <a:r>
-              <a:rPr lang="en-US">
+              <a:rPr lang="en-US" dirty="0">
                 <a:latin typeface="Gill Sans MT" charset="0"/>
               </a:rPr>
               <a:t>   2RTT+ file transmission  time</a:t>
@@ -15483,7 +15555,7 @@
               <a:buFont typeface="Wingdings" charset="0"/>
               <a:buNone/>
             </a:pPr>
-            <a:endParaRPr lang="en-US" sz="2400">
+            <a:endParaRPr lang="en-US" sz="2400" dirty="0">
               <a:latin typeface="Gill Sans MT" charset="0"/>
             </a:endParaRPr>
           </a:p>
@@ -15517,7 +15589,7 @@
           </a:ln>
           <a:extLst>
             <a:ext uri="{909E8E84-426E-40dd-AFC4-6F175D3DCCD1}">
-              <a14:hiddenFill xmlns="" xmlns:a14="http://schemas.microsoft.com/office/drawing/2010/main">
+              <a14:hiddenFill xmlns:a14="http://schemas.microsoft.com/office/drawing/2010/main" xmlns="">
                 <a:noFill/>
               </a14:hiddenFill>
             </a:ext>
@@ -15559,7 +15631,7 @@
           </a:ln>
           <a:extLst>
             <a:ext uri="{909E8E84-426E-40dd-AFC4-6F175D3DCCD1}">
-              <a14:hiddenFill xmlns="" xmlns:a14="http://schemas.microsoft.com/office/drawing/2010/main">
+              <a14:hiddenFill xmlns:a14="http://schemas.microsoft.com/office/drawing/2010/main" xmlns="">
                 <a:noFill/>
               </a14:hiddenFill>
             </a:ext>
@@ -15600,7 +15672,7 @@
           </a:ln>
           <a:extLst>
             <a:ext uri="{909E8E84-426E-40dd-AFC4-6F175D3DCCD1}">
-              <a14:hiddenFill xmlns="" xmlns:a14="http://schemas.microsoft.com/office/drawing/2010/main">
+              <a14:hiddenFill xmlns:a14="http://schemas.microsoft.com/office/drawing/2010/main" xmlns="">
                 <a:noFill/>
               </a14:hiddenFill>
             </a:ext>
@@ -15641,7 +15713,7 @@
           </a:ln>
           <a:extLst>
             <a:ext uri="{909E8E84-426E-40dd-AFC4-6F175D3DCCD1}">
-              <a14:hiddenFill xmlns="" xmlns:a14="http://schemas.microsoft.com/office/drawing/2010/main">
+              <a14:hiddenFill xmlns:a14="http://schemas.microsoft.com/office/drawing/2010/main" xmlns="">
                 <a:noFill/>
               </a14:hiddenFill>
             </a:ext>
@@ -15682,7 +15754,7 @@
           </a:ln>
           <a:extLst>
             <a:ext uri="{909E8E84-426E-40dd-AFC4-6F175D3DCCD1}">
-              <a14:hiddenFill xmlns="" xmlns:a14="http://schemas.microsoft.com/office/drawing/2010/main">
+              <a14:hiddenFill xmlns:a14="http://schemas.microsoft.com/office/drawing/2010/main" xmlns="">
                 <a:noFill/>
               </a14:hiddenFill>
             </a:ext>
@@ -15723,7 +15795,7 @@
           </a:ln>
           <a:extLst>
             <a:ext uri="{909E8E84-426E-40dd-AFC4-6F175D3DCCD1}">
-              <a14:hiddenFill xmlns="" xmlns:a14="http://schemas.microsoft.com/office/drawing/2010/main">
+              <a14:hiddenFill xmlns:a14="http://schemas.microsoft.com/office/drawing/2010/main" xmlns="">
                 <a:noFill/>
               </a14:hiddenFill>
             </a:ext>
@@ -15767,7 +15839,7 @@
           </a:ln>
           <a:extLst>
             <a:ext uri="{909E8E84-426E-40dd-AFC4-6F175D3DCCD1}">
-              <a14:hiddenFill xmlns="" xmlns:a14="http://schemas.microsoft.com/office/drawing/2010/main">
+              <a14:hiddenFill xmlns:a14="http://schemas.microsoft.com/office/drawing/2010/main" xmlns="">
                 <a:solidFill>
                   <a:srgbClr val="FFFFFF"/>
                 </a:solidFill>
@@ -15805,14 +15877,14 @@
           </a:ln>
           <a:extLst>
             <a:ext uri="{909E8E84-426E-40dd-AFC4-6F175D3DCCD1}">
-              <a14:hiddenFill xmlns="" xmlns:a14="http://schemas.microsoft.com/office/drawing/2010/main">
+              <a14:hiddenFill xmlns:a14="http://schemas.microsoft.com/office/drawing/2010/main" xmlns="">
                 <a:solidFill>
                   <a:srgbClr val="FFFFFF"/>
                 </a:solidFill>
               </a14:hiddenFill>
             </a:ext>
             <a:ext uri="{91240B29-F687-4f45-9708-019B960494DF}">
-              <a14:hiddenLine xmlns="" xmlns:a14="http://schemas.microsoft.com/office/drawing/2010/main" w="9525">
+              <a14:hiddenLine xmlns:a14="http://schemas.microsoft.com/office/drawing/2010/main" xmlns="" w="9525">
                 <a:solidFill>
                   <a:srgbClr val="000000"/>
                 </a:solidFill>
@@ -16050,7 +16122,7 @@
           </a:ln>
           <a:extLst>
             <a:ext uri="{909E8E84-426E-40dd-AFC4-6F175D3DCCD1}">
-              <a14:hiddenFill xmlns="" xmlns:a14="http://schemas.microsoft.com/office/drawing/2010/main">
+              <a14:hiddenFill xmlns:a14="http://schemas.microsoft.com/office/drawing/2010/main" xmlns="">
                 <a:noFill/>
               </a14:hiddenFill>
             </a:ext>
@@ -16086,14 +16158,14 @@
           </a:ln>
           <a:extLst>
             <a:ext uri="{909E8E84-426E-40dd-AFC4-6F175D3DCCD1}">
-              <a14:hiddenFill xmlns="" xmlns:a14="http://schemas.microsoft.com/office/drawing/2010/main">
+              <a14:hiddenFill xmlns:a14="http://schemas.microsoft.com/office/drawing/2010/main" xmlns="">
                 <a:solidFill>
                   <a:srgbClr val="FFFFFF"/>
                 </a:solidFill>
               </a14:hiddenFill>
             </a:ext>
             <a:ext uri="{91240B29-F687-4f45-9708-019B960494DF}">
-              <a14:hiddenLine xmlns="" xmlns:a14="http://schemas.microsoft.com/office/drawing/2010/main" w="9525">
+              <a14:hiddenLine xmlns:a14="http://schemas.microsoft.com/office/drawing/2010/main" xmlns="" w="9525">
                 <a:solidFill>
                   <a:srgbClr val="000000"/>
                 </a:solidFill>
@@ -16312,7 +16384,7 @@
           </a:ln>
           <a:extLst>
             <a:ext uri="{909E8E84-426E-40dd-AFC4-6F175D3DCCD1}">
-              <a14:hiddenFill xmlns="" xmlns:a14="http://schemas.microsoft.com/office/drawing/2010/main">
+              <a14:hiddenFill xmlns:a14="http://schemas.microsoft.com/office/drawing/2010/main" xmlns="">
                 <a:solidFill>
                   <a:srgbClr val="FFFFFF"/>
                 </a:solidFill>
@@ -16355,14 +16427,14 @@
           </a:ln>
           <a:extLst>
             <a:ext uri="{909E8E84-426E-40dd-AFC4-6F175D3DCCD1}">
-              <a14:hiddenFill xmlns="" xmlns:a14="http://schemas.microsoft.com/office/drawing/2010/main">
+              <a14:hiddenFill xmlns:a14="http://schemas.microsoft.com/office/drawing/2010/main" xmlns="">
                 <a:solidFill>
                   <a:srgbClr val="FFFFFF"/>
                 </a:solidFill>
               </a14:hiddenFill>
             </a:ext>
             <a:ext uri="{91240B29-F687-4f45-9708-019B960494DF}">
-              <a14:hiddenLine xmlns="" xmlns:a14="http://schemas.microsoft.com/office/drawing/2010/main" w="9525">
+              <a14:hiddenLine xmlns:a14="http://schemas.microsoft.com/office/drawing/2010/main" xmlns="" w="9525">
                 <a:solidFill>
                   <a:srgbClr val="000000"/>
                 </a:solidFill>
@@ -16552,7 +16624,7 @@
           </a:ln>
           <a:extLst>
             <a:ext uri="{909E8E84-426E-40dd-AFC4-6F175D3DCCD1}">
-              <a14:hiddenFill xmlns="" xmlns:a14="http://schemas.microsoft.com/office/drawing/2010/main">
+              <a14:hiddenFill xmlns:a14="http://schemas.microsoft.com/office/drawing/2010/main" xmlns="">
                 <a:noFill/>
               </a14:hiddenFill>
             </a:ext>
@@ -16588,14 +16660,14 @@
           </a:ln>
           <a:extLst>
             <a:ext uri="{909E8E84-426E-40dd-AFC4-6F175D3DCCD1}">
-              <a14:hiddenFill xmlns="" xmlns:a14="http://schemas.microsoft.com/office/drawing/2010/main">
+              <a14:hiddenFill xmlns:a14="http://schemas.microsoft.com/office/drawing/2010/main" xmlns="">
                 <a:solidFill>
                   <a:srgbClr val="FFFFFF"/>
                 </a:solidFill>
               </a14:hiddenFill>
             </a:ext>
             <a:ext uri="{91240B29-F687-4f45-9708-019B960494DF}">
-              <a14:hiddenLine xmlns="" xmlns:a14="http://schemas.microsoft.com/office/drawing/2010/main" w="9525">
+              <a14:hiddenLine xmlns:a14="http://schemas.microsoft.com/office/drawing/2010/main" xmlns="" w="9525">
                 <a:solidFill>
                   <a:srgbClr val="000000"/>
                 </a:solidFill>
@@ -16814,7 +16886,7 @@
           </a:ln>
           <a:extLst>
             <a:ext uri="{909E8E84-426E-40dd-AFC4-6F175D3DCCD1}">
-              <a14:hiddenFill xmlns="" xmlns:a14="http://schemas.microsoft.com/office/drawing/2010/main">
+              <a14:hiddenFill xmlns:a14="http://schemas.microsoft.com/office/drawing/2010/main" xmlns="">
                 <a:solidFill>
                   <a:srgbClr val="FFFFFF"/>
                 </a:solidFill>
@@ -16857,14 +16929,14 @@
           </a:ln>
           <a:extLst>
             <a:ext uri="{909E8E84-426E-40dd-AFC4-6F175D3DCCD1}">
-              <a14:hiddenFill xmlns="" xmlns:a14="http://schemas.microsoft.com/office/drawing/2010/main">
+              <a14:hiddenFill xmlns:a14="http://schemas.microsoft.com/office/drawing/2010/main" xmlns="">
                 <a:solidFill>
                   <a:srgbClr val="FFFFFF"/>
                 </a:solidFill>
               </a14:hiddenFill>
             </a:ext>
             <a:ext uri="{91240B29-F687-4f45-9708-019B960494DF}">
-              <a14:hiddenLine xmlns="" xmlns:a14="http://schemas.microsoft.com/office/drawing/2010/main" w="9525">
+              <a14:hiddenLine xmlns:a14="http://schemas.microsoft.com/office/drawing/2010/main" xmlns="" w="9525">
                 <a:solidFill>
                   <a:srgbClr val="000000"/>
                 </a:solidFill>
@@ -17054,7 +17126,7 @@
           </a:ln>
           <a:extLst>
             <a:ext uri="{909E8E84-426E-40dd-AFC4-6F175D3DCCD1}">
-              <a14:hiddenFill xmlns="" xmlns:a14="http://schemas.microsoft.com/office/drawing/2010/main">
+              <a14:hiddenFill xmlns:a14="http://schemas.microsoft.com/office/drawing/2010/main" xmlns="">
                 <a:noFill/>
               </a14:hiddenFill>
             </a:ext>
@@ -17090,14 +17162,14 @@
           </a:ln>
           <a:extLst>
             <a:ext uri="{909E8E84-426E-40dd-AFC4-6F175D3DCCD1}">
-              <a14:hiddenFill xmlns="" xmlns:a14="http://schemas.microsoft.com/office/drawing/2010/main">
+              <a14:hiddenFill xmlns:a14="http://schemas.microsoft.com/office/drawing/2010/main" xmlns="">
                 <a:solidFill>
                   <a:srgbClr val="FFFFFF"/>
                 </a:solidFill>
               </a14:hiddenFill>
             </a:ext>
             <a:ext uri="{91240B29-F687-4f45-9708-019B960494DF}">
-              <a14:hiddenLine xmlns="" xmlns:a14="http://schemas.microsoft.com/office/drawing/2010/main" w="9525">
+              <a14:hiddenLine xmlns:a14="http://schemas.microsoft.com/office/drawing/2010/main" xmlns="" w="9525">
                 <a:solidFill>
                   <a:srgbClr val="000000"/>
                 </a:solidFill>
@@ -17308,14 +17380,14 @@
           </a:ln>
           <a:extLst>
             <a:ext uri="{909E8E84-426E-40dd-AFC4-6F175D3DCCD1}">
-              <a14:hiddenFill xmlns="" xmlns:a14="http://schemas.microsoft.com/office/drawing/2010/main">
+              <a14:hiddenFill xmlns:a14="http://schemas.microsoft.com/office/drawing/2010/main" xmlns="">
                 <a:solidFill>
                   <a:srgbClr val="FFFFFF"/>
                 </a:solidFill>
               </a14:hiddenFill>
             </a:ext>
             <a:ext uri="{91240B29-F687-4f45-9708-019B960494DF}">
-              <a14:hiddenLine xmlns="" xmlns:a14="http://schemas.microsoft.com/office/drawing/2010/main" w="9525">
+              <a14:hiddenLine xmlns:a14="http://schemas.microsoft.com/office/drawing/2010/main" xmlns="" w="9525">
                 <a:solidFill>
                   <a:srgbClr val="000000"/>
                 </a:solidFill>
@@ -17500,14 +17572,14 @@
           </a:ln>
           <a:extLst>
             <a:ext uri="{909E8E84-426E-40dd-AFC4-6F175D3DCCD1}">
-              <a14:hiddenFill xmlns="" xmlns:a14="http://schemas.microsoft.com/office/drawing/2010/main">
+              <a14:hiddenFill xmlns:a14="http://schemas.microsoft.com/office/drawing/2010/main" xmlns="">
                 <a:solidFill>
                   <a:srgbClr val="FFFFFF"/>
                 </a:solidFill>
               </a14:hiddenFill>
             </a:ext>
             <a:ext uri="{91240B29-F687-4f45-9708-019B960494DF}">
-              <a14:hiddenLine xmlns="" xmlns:a14="http://schemas.microsoft.com/office/drawing/2010/main" w="9525">
+              <a14:hiddenLine xmlns:a14="http://schemas.microsoft.com/office/drawing/2010/main" xmlns="" w="9525">
                 <a:solidFill>
                   <a:srgbClr val="000000"/>
                 </a:solidFill>
@@ -17775,7 +17847,7 @@
             </a:ln>
             <a:extLst>
               <a:ext uri="{91240B29-F687-4f45-9708-019B960494DF}">
-                <a14:hiddenLine xmlns="" xmlns:a14="http://schemas.microsoft.com/office/drawing/2010/main" w="9525">
+                <a14:hiddenLine xmlns:a14="http://schemas.microsoft.com/office/drawing/2010/main" xmlns="" w="9525">
                   <a:solidFill>
                     <a:srgbClr val="000000"/>
                   </a:solidFill>
@@ -17826,7 +17898,7 @@
             </a:ln>
             <a:extLst>
               <a:ext uri="{91240B29-F687-4f45-9708-019B960494DF}">
-                <a14:hiddenLine xmlns="" xmlns:a14="http://schemas.microsoft.com/office/drawing/2010/main" w="9525">
+                <a14:hiddenLine xmlns:a14="http://schemas.microsoft.com/office/drawing/2010/main" xmlns="" w="9525">
                   <a:solidFill>
                     <a:srgbClr val="000000"/>
                   </a:solidFill>
@@ -17932,7 +18004,7 @@
             </a:ln>
             <a:extLst>
               <a:ext uri="{91240B29-F687-4f45-9708-019B960494DF}">
-                <a14:hiddenLine xmlns="" xmlns:a14="http://schemas.microsoft.com/office/drawing/2010/main" w="9525">
+                <a14:hiddenLine xmlns:a14="http://schemas.microsoft.com/office/drawing/2010/main" xmlns="" w="9525">
                   <a:solidFill>
                     <a:srgbClr val="000000"/>
                   </a:solidFill>
@@ -18051,7 +18123,7 @@
             </a:ln>
             <a:extLst>
               <a:ext uri="{91240B29-F687-4f45-9708-019B960494DF}">
-                <a14:hiddenLine xmlns="" xmlns:a14="http://schemas.microsoft.com/office/drawing/2010/main" w="9525">
+                <a14:hiddenLine xmlns:a14="http://schemas.microsoft.com/office/drawing/2010/main" xmlns="" w="9525">
                   <a:solidFill>
                     <a:srgbClr val="000000"/>
                   </a:solidFill>
@@ -18148,7 +18220,7 @@
               </a:ln>
               <a:extLst>
                 <a:ext uri="{91240B29-F687-4f45-9708-019B960494DF}">
-                  <a14:hiddenLine xmlns="" xmlns:a14="http://schemas.microsoft.com/office/drawing/2010/main" w="9525">
+                  <a14:hiddenLine xmlns:a14="http://schemas.microsoft.com/office/drawing/2010/main" xmlns="" w="9525">
                     <a:solidFill>
                       <a:srgbClr val="000000"/>
                     </a:solidFill>
@@ -18204,7 +18276,7 @@
               </a:ln>
               <a:extLst>
                 <a:ext uri="{91240B29-F687-4f45-9708-019B960494DF}">
-                  <a14:hiddenLine xmlns="" xmlns:a14="http://schemas.microsoft.com/office/drawing/2010/main" w="9525">
+                  <a14:hiddenLine xmlns:a14="http://schemas.microsoft.com/office/drawing/2010/main" xmlns="" w="9525">
                     <a:solidFill>
                       <a:srgbClr val="000000"/>
                     </a:solidFill>
@@ -18302,7 +18374,7 @@
               </a:ln>
               <a:extLst>
                 <a:ext uri="{91240B29-F687-4f45-9708-019B960494DF}">
-                  <a14:hiddenLine xmlns="" xmlns:a14="http://schemas.microsoft.com/office/drawing/2010/main" w="9525">
+                  <a14:hiddenLine xmlns:a14="http://schemas.microsoft.com/office/drawing/2010/main" xmlns="" w="9525">
                     <a:solidFill>
                       <a:srgbClr val="000000"/>
                     </a:solidFill>
@@ -18358,7 +18430,7 @@
               </a:ln>
               <a:extLst>
                 <a:ext uri="{91240B29-F687-4f45-9708-019B960494DF}">
-                  <a14:hiddenLine xmlns="" xmlns:a14="http://schemas.microsoft.com/office/drawing/2010/main" w="9525">
+                  <a14:hiddenLine xmlns:a14="http://schemas.microsoft.com/office/drawing/2010/main" xmlns="" w="9525">
                     <a:solidFill>
                       <a:srgbClr val="000000"/>
                     </a:solidFill>
@@ -18492,7 +18564,7 @@
               </a:ln>
               <a:extLst>
                 <a:ext uri="{91240B29-F687-4f45-9708-019B960494DF}">
-                  <a14:hiddenLine xmlns="" xmlns:a14="http://schemas.microsoft.com/office/drawing/2010/main" w="9525">
+                  <a14:hiddenLine xmlns:a14="http://schemas.microsoft.com/office/drawing/2010/main" xmlns="" w="9525">
                     <a:solidFill>
                       <a:srgbClr val="000000"/>
                     </a:solidFill>
@@ -18548,7 +18620,7 @@
               </a:ln>
               <a:extLst>
                 <a:ext uri="{91240B29-F687-4f45-9708-019B960494DF}">
-                  <a14:hiddenLine xmlns="" xmlns:a14="http://schemas.microsoft.com/office/drawing/2010/main" w="9525">
+                  <a14:hiddenLine xmlns:a14="http://schemas.microsoft.com/office/drawing/2010/main" xmlns="" w="9525">
                     <a:solidFill>
                       <a:srgbClr val="000000"/>
                     </a:solidFill>
@@ -18668,7 +18740,7 @@
             </a:ln>
             <a:extLst>
               <a:ext uri="{91240B29-F687-4f45-9708-019B960494DF}">
-                <a14:hiddenLine xmlns="" xmlns:a14="http://schemas.microsoft.com/office/drawing/2010/main" w="9525">
+                <a14:hiddenLine xmlns:a14="http://schemas.microsoft.com/office/drawing/2010/main" xmlns="" w="9525">
                   <a:solidFill>
                     <a:srgbClr val="000000"/>
                   </a:solidFill>
@@ -18729,7 +18801,7 @@
               </a:ln>
               <a:extLst>
                 <a:ext uri="{91240B29-F687-4f45-9708-019B960494DF}">
-                  <a14:hiddenLine xmlns="" xmlns:a14="http://schemas.microsoft.com/office/drawing/2010/main" w="9525">
+                  <a14:hiddenLine xmlns:a14="http://schemas.microsoft.com/office/drawing/2010/main" xmlns="" w="9525">
                     <a:solidFill>
                       <a:srgbClr val="000000"/>
                     </a:solidFill>
@@ -18785,7 +18857,7 @@
               </a:ln>
               <a:extLst>
                 <a:ext uri="{91240B29-F687-4f45-9708-019B960494DF}">
-                  <a14:hiddenLine xmlns="" xmlns:a14="http://schemas.microsoft.com/office/drawing/2010/main" w="9525">
+                  <a14:hiddenLine xmlns:a14="http://schemas.microsoft.com/office/drawing/2010/main" xmlns="" w="9525">
                     <a:solidFill>
                       <a:srgbClr val="000000"/>
                     </a:solidFill>
@@ -18952,7 +19024,7 @@
             </a:ln>
             <a:extLst>
               <a:ext uri="{91240B29-F687-4f45-9708-019B960494DF}">
-                <a14:hiddenLine xmlns="" xmlns:a14="http://schemas.microsoft.com/office/drawing/2010/main" w="9525">
+                <a14:hiddenLine xmlns:a14="http://schemas.microsoft.com/office/drawing/2010/main" xmlns="" w="9525">
                   <a:solidFill>
                     <a:srgbClr val="000000"/>
                   </a:solidFill>
@@ -19071,7 +19143,7 @@
             </a:ln>
             <a:extLst>
               <a:ext uri="{91240B29-F687-4f45-9708-019B960494DF}">
-                <a14:hiddenLine xmlns="" xmlns:a14="http://schemas.microsoft.com/office/drawing/2010/main" w="9525">
+                <a14:hiddenLine xmlns:a14="http://schemas.microsoft.com/office/drawing/2010/main" xmlns="" w="9525">
                   <a:solidFill>
                     <a:srgbClr val="000000"/>
                   </a:solidFill>
@@ -19114,7 +19186,7 @@
             </a:ln>
             <a:extLst>
               <a:ext uri="{91240B29-F687-4f45-9708-019B960494DF}">
-                <a14:hiddenLine xmlns="" xmlns:a14="http://schemas.microsoft.com/office/drawing/2010/main" w="9525">
+                <a14:hiddenLine xmlns:a14="http://schemas.microsoft.com/office/drawing/2010/main" xmlns="" w="9525">
                   <a:solidFill>
                     <a:srgbClr val="000000"/>
                   </a:solidFill>
@@ -19217,7 +19289,7 @@
             </a:ln>
             <a:extLst>
               <a:ext uri="{91240B29-F687-4f45-9708-019B960494DF}">
-                <a14:hiddenLine xmlns="" xmlns:a14="http://schemas.microsoft.com/office/drawing/2010/main" w="9525">
+                <a14:hiddenLine xmlns:a14="http://schemas.microsoft.com/office/drawing/2010/main" xmlns="" w="9525">
                   <a:solidFill>
                     <a:srgbClr val="000000"/>
                   </a:solidFill>
@@ -19344,7 +19416,7 @@
             </a:ln>
             <a:extLst>
               <a:ext uri="{91240B29-F687-4f45-9708-019B960494DF}">
-                <a14:hiddenLine xmlns="" xmlns:a14="http://schemas.microsoft.com/office/drawing/2010/main" w="9525">
+                <a14:hiddenLine xmlns:a14="http://schemas.microsoft.com/office/drawing/2010/main" xmlns="" w="9525">
                   <a:solidFill>
                     <a:srgbClr val="000000"/>
                   </a:solidFill>
@@ -19387,7 +19459,7 @@
             </a:ln>
             <a:extLst>
               <a:ext uri="{91240B29-F687-4f45-9708-019B960494DF}">
-                <a14:hiddenLine xmlns="" xmlns:a14="http://schemas.microsoft.com/office/drawing/2010/main" w="9525">
+                <a14:hiddenLine xmlns:a14="http://schemas.microsoft.com/office/drawing/2010/main" xmlns="" w="9525">
                   <a:solidFill>
                     <a:srgbClr val="000000"/>
                   </a:solidFill>
@@ -19444,7 +19516,7 @@
             </a:ln>
             <a:extLst>
               <a:ext uri="{91240B29-F687-4f45-9708-019B960494DF}">
-                <a14:hiddenLine xmlns="" xmlns:a14="http://schemas.microsoft.com/office/drawing/2010/main" w="9525">
+                <a14:hiddenLine xmlns:a14="http://schemas.microsoft.com/office/drawing/2010/main" xmlns="" w="9525">
                   <a:solidFill>
                     <a:srgbClr val="000000"/>
                   </a:solidFill>
@@ -19551,14 +19623,14 @@
             </a:ln>
             <a:extLst>
               <a:ext uri="{909E8E84-426E-40dd-AFC4-6F175D3DCCD1}">
-                <a14:hiddenFill xmlns="" xmlns:a14="http://schemas.microsoft.com/office/drawing/2010/main">
+                <a14:hiddenFill xmlns:a14="http://schemas.microsoft.com/office/drawing/2010/main" xmlns="">
                   <a:solidFill>
                     <a:srgbClr val="FFFFFF"/>
                   </a:solidFill>
                 </a14:hiddenFill>
               </a:ext>
               <a:ext uri="{91240B29-F687-4f45-9708-019B960494DF}">
-                <a14:hiddenLine xmlns="" xmlns:a14="http://schemas.microsoft.com/office/drawing/2010/main" w="9525">
+                <a14:hiddenLine xmlns:a14="http://schemas.microsoft.com/office/drawing/2010/main" xmlns="" w="9525">
                   <a:solidFill>
                     <a:srgbClr val="000000"/>
                   </a:solidFill>
@@ -19662,7 +19734,7 @@
             </a:ln>
             <a:extLst>
               <a:ext uri="{91240B29-F687-4f45-9708-019B960494DF}">
-                <a14:hiddenLine xmlns="" xmlns:a14="http://schemas.microsoft.com/office/drawing/2010/main" w="9525" cap="flat" cmpd="sng">
+                <a14:hiddenLine xmlns:a14="http://schemas.microsoft.com/office/drawing/2010/main" xmlns="" w="9525" cap="flat" cmpd="sng">
                   <a:solidFill>
                     <a:srgbClr val="000000"/>
                   </a:solidFill>
@@ -19774,7 +19846,7 @@
               <a:buNone/>
             </a:pPr>
             <a:r>
-              <a:rPr lang="sk-SK">
+              <a:rPr lang="sk-SK" dirty="0" err="1">
                 <a:solidFill>
                   <a:srgbClr val="000000">
                     <a:tint val="75000"/>
@@ -19783,7 +19855,31 @@
                 <a:latin typeface="Palatino Linotype"/>
                 <a:ea typeface="+mn-ea"/>
               </a:rPr>
-              <a:t>Application Layer</a:t>
+              <a:t>Application</a:t>
+            </a:r>
+            <a:r>
+              <a:rPr lang="sk-SK" dirty="0">
+                <a:solidFill>
+                  <a:srgbClr val="000000">
+                    <a:tint val="75000"/>
+                  </a:srgbClr>
+                </a:solidFill>
+                <a:latin typeface="Palatino Linotype"/>
+                <a:ea typeface="+mn-ea"/>
+              </a:rPr>
+              <a:t> </a:t>
+            </a:r>
+            <a:r>
+              <a:rPr lang="sk-SK" dirty="0" err="1">
+                <a:solidFill>
+                  <a:srgbClr val="000000">
+                    <a:tint val="75000"/>
+                  </a:srgbClr>
+                </a:solidFill>
+                <a:latin typeface="Palatino Linotype"/>
+                <a:ea typeface="+mn-ea"/>
+              </a:rPr>
+              <a:t>Layer</a:t>
             </a:r>
             <a:endParaRPr lang="en-US" dirty="0">
               <a:solidFill>
@@ -19843,12 +19939,12 @@
           <a:lstStyle/>
           <a:p>
             <a:r>
-              <a:rPr lang="en-US" sz="3600">
+              <a:rPr lang="en-US" sz="3600" dirty="0">
                 <a:latin typeface="Gill Sans MT" charset="0"/>
               </a:rPr>
               <a:t>Persistent HTTP</a:t>
             </a:r>
-            <a:endParaRPr lang="en-US">
+            <a:endParaRPr lang="en-US" dirty="0">
               <a:latin typeface="Gill Sans MT" charset="0"/>
             </a:endParaRPr>
           </a:p>
@@ -19879,7 +19975,7 @@
               <a:buNone/>
             </a:pPr>
             <a:r>
-              <a:rPr lang="en-US" i="1">
+              <a:rPr lang="en-US" i="1" dirty="0">
                 <a:solidFill>
                   <a:srgbClr val="CC0000"/>
                 </a:solidFill>
@@ -19890,7 +19986,7 @@
           </a:p>
           <a:p>
             <a:r>
-              <a:rPr lang="en-US" sz="2400">
+              <a:rPr lang="en-US" sz="2400" dirty="0">
                 <a:latin typeface="Gill Sans MT" charset="0"/>
               </a:rPr>
               <a:t>requires 2 RTTs per object</a:t>
@@ -19898,19 +19994,19 @@
           </a:p>
           <a:p>
             <a:r>
-              <a:rPr lang="en-US" sz="2400">
+              <a:rPr lang="en-US" sz="2400" dirty="0">
                 <a:latin typeface="Gill Sans MT" charset="0"/>
               </a:rPr>
               <a:t>OS overhead for </a:t>
             </a:r>
             <a:r>
-              <a:rPr lang="en-US" sz="2400" i="1">
+              <a:rPr lang="en-US" sz="2400" i="1" dirty="0">
                 <a:latin typeface="Gill Sans MT" charset="0"/>
               </a:rPr>
               <a:t>each</a:t>
             </a:r>
             <a:r>
-              <a:rPr lang="en-US" sz="2400">
+              <a:rPr lang="en-US" sz="2400" dirty="0">
                 <a:latin typeface="Gill Sans MT" charset="0"/>
               </a:rPr>
               <a:t> TCP connection</a:t>
@@ -19918,7 +20014,7 @@
           </a:p>
           <a:p>
             <a:r>
-              <a:rPr lang="en-US" sz="2400">
+              <a:rPr lang="en-US" sz="2400" dirty="0">
                 <a:latin typeface="Gill Sans MT" charset="0"/>
               </a:rPr>
               <a:t>browsers often open parallel TCP connections to fetch referenced objects</a:t>
@@ -19929,17 +20025,17 @@
               <a:buFont typeface="Wingdings" charset="0"/>
               <a:buNone/>
             </a:pPr>
-            <a:endParaRPr lang="en-US" sz="2400">
+            <a:endParaRPr lang="en-US" sz="2400" dirty="0">
               <a:latin typeface="Gill Sans MT" charset="0"/>
             </a:endParaRPr>
           </a:p>
           <a:p>
-            <a:endParaRPr lang="en-US" sz="2000">
+            <a:endParaRPr lang="en-US" sz="2000" dirty="0">
               <a:latin typeface="Gill Sans MT" charset="0"/>
             </a:endParaRPr>
           </a:p>
           <a:p>
-            <a:endParaRPr lang="en-US" sz="2000">
+            <a:endParaRPr lang="en-US" sz="2000" dirty="0">
               <a:latin typeface="Gill Sans MT" charset="0"/>
             </a:endParaRPr>
           </a:p>
@@ -19970,7 +20066,7 @@
               <a:buNone/>
             </a:pPr>
             <a:r>
-              <a:rPr lang="en-US" i="1">
+              <a:rPr lang="en-US" i="1" dirty="0">
                 <a:solidFill>
                   <a:srgbClr val="CC0000"/>
                 </a:solidFill>
@@ -19981,7 +20077,7 @@
           </a:p>
           <a:p>
             <a:r>
-              <a:rPr lang="en-US" sz="2400">
+              <a:rPr lang="en-US" sz="2400" dirty="0">
                 <a:latin typeface="Gill Sans MT" charset="0"/>
               </a:rPr>
               <a:t>server leaves connection open after sending response</a:t>
@@ -19989,7 +20085,7 @@
           </a:p>
           <a:p>
             <a:r>
-              <a:rPr lang="en-US" sz="2400">
+              <a:rPr lang="en-US" sz="2400" dirty="0">
                 <a:latin typeface="Gill Sans MT" charset="0"/>
               </a:rPr>
               <a:t>subsequent HTTP messages  between same client/server sent over open connection</a:t>
@@ -19997,7 +20093,7 @@
           </a:p>
           <a:p>
             <a:r>
-              <a:rPr lang="en-US" sz="2400">
+              <a:rPr lang="en-US" sz="2400" dirty="0">
                 <a:latin typeface="Gill Sans MT" charset="0"/>
               </a:rPr>
               <a:t>client sends requests as soon as it encounters a referenced object</a:t>
@@ -20005,7 +20101,7 @@
           </a:p>
           <a:p>
             <a:r>
-              <a:rPr lang="en-US" sz="2400">
+              <a:rPr lang="en-US" sz="2400" dirty="0">
                 <a:latin typeface="Gill Sans MT" charset="0"/>
               </a:rPr>
               <a:t>as little as one RTT for all the referenced objects</a:t>
@@ -20048,14 +20144,14 @@
           </a:ln>
           <a:extLst>
             <a:ext uri="{909E8E84-426E-40dd-AFC4-6F175D3DCCD1}">
-              <a14:hiddenFill xmlns="" xmlns:a14="http://schemas.microsoft.com/office/drawing/2010/main">
+              <a14:hiddenFill xmlns:a14="http://schemas.microsoft.com/office/drawing/2010/main" xmlns="">
                 <a:solidFill>
                   <a:srgbClr val="FFFFFF"/>
                 </a:solidFill>
               </a14:hiddenFill>
             </a:ext>
             <a:ext uri="{91240B29-F687-4f45-9708-019B960494DF}">
-              <a14:hiddenLine xmlns="" xmlns:a14="http://schemas.microsoft.com/office/drawing/2010/main" w="9525">
+              <a14:hiddenLine xmlns:a14="http://schemas.microsoft.com/office/drawing/2010/main" xmlns="" w="9525">
                 <a:solidFill>
                   <a:srgbClr val="000000"/>
                 </a:solidFill>
@@ -20178,6 +20274,38 @@
               <a:latin typeface="Palatino Linotype"/>
               <a:ea typeface="+mn-ea"/>
             </a:endParaRPr>
+          </a:p>
+        </p:txBody>
+      </p:sp>
+      <p:sp>
+        <p:nvSpPr>
+          <p:cNvPr id="2" name="TextBox 1">
+            <a:extLst>
+              <a:ext uri="{FF2B5EF4-FFF2-40B4-BE49-F238E27FC236}">
+                <a16:creationId xmlns:a16="http://schemas.microsoft.com/office/drawing/2014/main" id="{C1500BC8-D42D-4943-9EA8-8B19A2CAA715}"/>
+              </a:ext>
+            </a:extLst>
+          </p:cNvPr>
+          <p:cNvSpPr txBox="1"/>
+          <p:nvPr/>
+        </p:nvSpPr>
+        <p:spPr>
+          <a:xfrm>
+            <a:off x="7042826" y="7801583"/>
+            <a:ext cx="184731" cy="400110"/>
+          </a:xfrm>
+          <a:prstGeom prst="rect">
+            <a:avLst/>
+          </a:prstGeom>
+          <a:noFill/>
+        </p:spPr>
+        <p:txBody>
+          <a:bodyPr wrap="none" rtlCol="0">
+            <a:spAutoFit/>
+          </a:bodyPr>
+          <a:lstStyle/>
+          <a:p>
+            <a:endParaRPr lang="en-US"/>
           </a:p>
         </p:txBody>
       </p:sp>
